--- a/Capstone Presentation.pptx
+++ b/Capstone Presentation.pptx
@@ -20,23 +20,25 @@
     <p:sldId id="265" r:id="rId15"/>
     <p:sldId id="266" r:id="rId16"/>
     <p:sldId id="267" r:id="rId17"/>
+    <p:sldId id="268" r:id="rId18"/>
+    <p:sldId id="269" r:id="rId19"/>
   </p:sldIdLst>
   <p:sldSz cy="5143500" cx="9144000"/>
   <p:notesSz cx="6858000" cy="9144000"/>
   <p:embeddedFontLst>
     <p:embeddedFont>
       <p:font typeface="Montserrat"/>
-      <p:regular r:id="rId18"/>
-      <p:bold r:id="rId19"/>
-      <p:italic r:id="rId20"/>
-      <p:boldItalic r:id="rId21"/>
+      <p:regular r:id="rId20"/>
+      <p:bold r:id="rId21"/>
+      <p:italic r:id="rId22"/>
+      <p:boldItalic r:id="rId23"/>
     </p:embeddedFont>
     <p:embeddedFont>
       <p:font typeface="Lato"/>
-      <p:regular r:id="rId22"/>
-      <p:bold r:id="rId23"/>
-      <p:italic r:id="rId24"/>
-      <p:boldItalic r:id="rId25"/>
+      <p:regular r:id="rId24"/>
+      <p:bold r:id="rId25"/>
+      <p:italic r:id="rId26"/>
+      <p:boldItalic r:id="rId27"/>
     </p:embeddedFont>
   </p:embeddedFontLst>
   <p:defaultTextStyle>
@@ -799,7 +801,7 @@
             </a:pPr>
             <a:r>
               <a:rPr lang="en"/>
-              <a:t>I did my capstone on the public transportation system and how Nashville compares with its peers.</a:t>
+              <a:t>My capstone project is on the public transportation system and how Nashville compares with its peers.</a:t>
             </a:r>
             <a:endParaRPr/>
           </a:p>
@@ -832,7 +834,7 @@
       </p:grpSpPr>
       <p:sp>
         <p:nvSpPr>
-          <p:cNvPr id="186" name="Google Shape;186;ge210fe2c9f_0_21:notes"/>
+          <p:cNvPr id="186" name="Google Shape;186;ge210fe2c9f_0_13:notes"/>
           <p:cNvSpPr/>
           <p:nvPr>
             <p:ph idx="2" type="sldImg"/>
@@ -867,7 +869,7 @@
       </p:sp>
       <p:sp>
         <p:nvSpPr>
-          <p:cNvPr id="187" name="Google Shape;187;ge210fe2c9f_0_21:notes"/>
+          <p:cNvPr id="187" name="Google Shape;187;ge210fe2c9f_0_13:notes"/>
           <p:cNvSpPr txBox="1"/>
           <p:nvPr>
             <p:ph idx="1" type="body"/>
@@ -899,15 +901,100 @@
             </a:pPr>
             <a:r>
               <a:rPr lang="en"/>
-              <a:t>As your population grows, your need for more public </a:t>
-            </a:r>
+              <a:t>This is another population graph. </a:t>
+            </a:r>
+            <a:endParaRPr/>
+          </a:p>
+          <a:p>
+            <a:pPr indent="0" lvl="0" marL="0" rtl="0" algn="l">
+              <a:spcBef>
+                <a:spcPts val="0"/>
+              </a:spcBef>
+              <a:spcAft>
+                <a:spcPts val="0"/>
+              </a:spcAft>
+              <a:buNone/>
+            </a:pPr>
+            <a:r>
+              <a:t/>
+            </a:r>
+            <a:endParaRPr/>
+          </a:p>
+          <a:p>
+            <a:pPr indent="0" lvl="0" marL="0" rtl="0" algn="l">
+              <a:spcBef>
+                <a:spcPts val="0"/>
+              </a:spcBef>
+              <a:spcAft>
+                <a:spcPts val="0"/>
+              </a:spcAft>
+              <a:buNone/>
+            </a:pPr>
             <a:r>
               <a:rPr lang="en"/>
-              <a:t>transportation</a:t>
-            </a:r>
+              <a:t>In this graph, I have taken Nashville’s growth over the last decade. I’ve calculated the percent growth which was about 1% average a year. Then I applied that 1% over the next 30 years. </a:t>
+            </a:r>
+            <a:endParaRPr/>
+          </a:p>
+          <a:p>
+            <a:pPr indent="0" lvl="0" marL="0" rtl="0" algn="l">
+              <a:spcBef>
+                <a:spcPts val="0"/>
+              </a:spcBef>
+              <a:spcAft>
+                <a:spcPts val="0"/>
+              </a:spcAft>
+              <a:buNone/>
+            </a:pPr>
+            <a:r>
+              <a:t/>
+            </a:r>
+            <a:endParaRPr/>
+          </a:p>
+          <a:p>
+            <a:pPr indent="0" lvl="0" marL="0" rtl="0" algn="l">
+              <a:spcBef>
+                <a:spcPts val="0"/>
+              </a:spcBef>
+              <a:spcAft>
+                <a:spcPts val="0"/>
+              </a:spcAft>
+              <a:buNone/>
+            </a:pPr>
             <a:r>
               <a:rPr lang="en"/>
-              <a:t> increases. </a:t>
+              <a:t>I’ve placed markers at each decade, and if you look at the legend in the top left hand corner, I’ve listed cities that currently have that population. </a:t>
+            </a:r>
+            <a:endParaRPr/>
+          </a:p>
+          <a:p>
+            <a:pPr indent="0" lvl="0" marL="0" rtl="0" algn="l">
+              <a:spcBef>
+                <a:spcPts val="0"/>
+              </a:spcBef>
+              <a:spcAft>
+                <a:spcPts val="0"/>
+              </a:spcAft>
+              <a:buNone/>
+            </a:pPr>
+            <a:r>
+              <a:t/>
+            </a:r>
+            <a:endParaRPr/>
+          </a:p>
+          <a:p>
+            <a:pPr indent="0" lvl="0" marL="0" rtl="0" algn="l">
+              <a:spcBef>
+                <a:spcPts val="0"/>
+              </a:spcBef>
+              <a:spcAft>
+                <a:spcPts val="0"/>
+              </a:spcAft>
+              <a:buNone/>
+            </a:pPr>
+            <a:r>
+              <a:rPr lang="en"/>
+              <a:t>So by 2030, Nashville will be as large as Denver, Washington DC, and Seattle.</a:t>
             </a:r>
             <a:endParaRPr/>
           </a:p>
@@ -926,7 +1013,7 @@
   <p:cSld>
     <p:spTree>
       <p:nvGrpSpPr>
-        <p:cNvPr id="192" name="Shape 192"/>
+        <p:cNvPr id="191" name="Shape 191"/>
         <p:cNvGrpSpPr/>
         <p:nvPr/>
       </p:nvGrpSpPr>
@@ -940,7 +1027,7 @@
       </p:grpSpPr>
       <p:sp>
         <p:nvSpPr>
-          <p:cNvPr id="193" name="Google Shape;193;ge210fe2c9f_0_26:notes"/>
+          <p:cNvPr id="192" name="Google Shape;192;ge210fe2c9f_0_21:notes"/>
           <p:cNvSpPr/>
           <p:nvPr>
             <p:ph idx="2" type="sldImg"/>
@@ -975,7 +1062,7 @@
       </p:sp>
       <p:sp>
         <p:nvSpPr>
-          <p:cNvPr id="194" name="Google Shape;194;ge210fe2c9f_0_26:notes"/>
+          <p:cNvPr id="193" name="Google Shape;193;ge210fe2c9f_0_21:notes"/>
           <p:cNvSpPr txBox="1"/>
           <p:nvPr>
             <p:ph idx="1" type="body"/>
@@ -1007,69 +1094,15 @@
             </a:pPr>
             <a:r>
               <a:rPr lang="en"/>
-              <a:t>This graph, the cities at the bottom are ordered the same way as the previous graph. </a:t>
-            </a:r>
-            <a:endParaRPr/>
-          </a:p>
-          <a:p>
-            <a:pPr indent="0" lvl="0" marL="0" rtl="0" algn="l">
-              <a:spcBef>
-                <a:spcPts val="0"/>
-              </a:spcBef>
-              <a:spcAft>
-                <a:spcPts val="0"/>
-              </a:spcAft>
-              <a:buNone/>
-            </a:pPr>
-            <a:r>
-              <a:t/>
-            </a:r>
-            <a:endParaRPr/>
-          </a:p>
-          <a:p>
-            <a:pPr indent="0" lvl="0" marL="0" rtl="0" algn="l">
-              <a:spcBef>
-                <a:spcPts val="0"/>
-              </a:spcBef>
-              <a:spcAft>
-                <a:spcPts val="0"/>
-              </a:spcAft>
-              <a:buNone/>
-            </a:pPr>
+              <a:t>As your population grows, your need for more public </a:t>
+            </a:r>
             <a:r>
               <a:rPr lang="en"/>
-              <a:t>One interesting thing to note here, is that Dallas spends more on their public transportation but has a lower ridership. </a:t>
-            </a:r>
-            <a:endParaRPr/>
-          </a:p>
-          <a:p>
-            <a:pPr indent="0" lvl="0" marL="0" rtl="0" algn="l">
-              <a:spcBef>
-                <a:spcPts val="0"/>
-              </a:spcBef>
-              <a:spcAft>
-                <a:spcPts val="0"/>
-              </a:spcAft>
-              <a:buNone/>
-            </a:pPr>
-            <a:r>
-              <a:t/>
-            </a:r>
-            <a:endParaRPr/>
-          </a:p>
-          <a:p>
-            <a:pPr indent="0" lvl="0" marL="0" rtl="0" algn="l">
-              <a:spcBef>
-                <a:spcPts val="0"/>
-              </a:spcBef>
-              <a:spcAft>
-                <a:spcPts val="0"/>
-              </a:spcAft>
-              <a:buNone/>
-            </a:pPr>
+              <a:t>transportation</a:t>
+            </a:r>
             <a:r>
               <a:rPr lang="en"/>
-              <a:t>Seattle also spends a little more than DC but Seattle’s ridership is much lower. </a:t>
+              <a:t> increases. </a:t>
             </a:r>
             <a:endParaRPr/>
           </a:p>
@@ -1088,7 +1121,7 @@
   <p:cSld>
     <p:spTree>
       <p:nvGrpSpPr>
-        <p:cNvPr id="199" name="Shape 199"/>
+        <p:cNvPr id="197" name="Shape 197"/>
         <p:cNvGrpSpPr/>
         <p:nvPr/>
       </p:nvGrpSpPr>
@@ -1102,7 +1135,7 @@
       </p:grpSpPr>
       <p:sp>
         <p:nvSpPr>
-          <p:cNvPr id="200" name="Google Shape;200;ge240ea6115_0_14:notes"/>
+          <p:cNvPr id="198" name="Google Shape;198;ge210fe2c9f_0_26:notes"/>
           <p:cNvSpPr/>
           <p:nvPr>
             <p:ph idx="2" type="sldImg"/>
@@ -1137,7 +1170,7 @@
       </p:sp>
       <p:sp>
         <p:nvSpPr>
-          <p:cNvPr id="201" name="Google Shape;201;ge240ea6115_0_14:notes"/>
+          <p:cNvPr id="199" name="Google Shape;199;ge210fe2c9f_0_26:notes"/>
           <p:cNvSpPr txBox="1"/>
           <p:nvPr>
             <p:ph idx="1" type="body"/>
@@ -1168,7 +1201,70 @@
               <a:buNone/>
             </a:pPr>
             <a:r>
+              <a:rPr lang="en"/>
+              <a:t>This graph, the cities at the bottom are ordered the same way as the previous graph. </a:t>
+            </a:r>
+            <a:endParaRPr/>
+          </a:p>
+          <a:p>
+            <a:pPr indent="0" lvl="0" marL="0" rtl="0" algn="l">
+              <a:spcBef>
+                <a:spcPts val="0"/>
+              </a:spcBef>
+              <a:spcAft>
+                <a:spcPts val="0"/>
+              </a:spcAft>
+              <a:buNone/>
+            </a:pPr>
+            <a:r>
               <a:t/>
+            </a:r>
+            <a:endParaRPr/>
+          </a:p>
+          <a:p>
+            <a:pPr indent="0" lvl="0" marL="0" rtl="0" algn="l">
+              <a:spcBef>
+                <a:spcPts val="0"/>
+              </a:spcBef>
+              <a:spcAft>
+                <a:spcPts val="0"/>
+              </a:spcAft>
+              <a:buNone/>
+            </a:pPr>
+            <a:r>
+              <a:rPr lang="en"/>
+              <a:t>One interesting thing to note here, is that Dallas spends more on their public transportation but has a lower ridership. </a:t>
+            </a:r>
+            <a:endParaRPr/>
+          </a:p>
+          <a:p>
+            <a:pPr indent="0" lvl="0" marL="0" rtl="0" algn="l">
+              <a:spcBef>
+                <a:spcPts val="0"/>
+              </a:spcBef>
+              <a:spcAft>
+                <a:spcPts val="0"/>
+              </a:spcAft>
+              <a:buNone/>
+            </a:pPr>
+            <a:r>
+              <a:t/>
+            </a:r>
+            <a:endParaRPr/>
+          </a:p>
+          <a:p>
+            <a:pPr indent="0" lvl="0" marL="0" rtl="0" algn="l">
+              <a:spcBef>
+                <a:spcPts val="0"/>
+              </a:spcBef>
+              <a:spcAft>
+                <a:spcPts val="0"/>
+              </a:spcAft>
+              <a:buNone/>
+            </a:pPr>
+            <a:r>
+              <a:rPr lang="en"/>
+              <a:t>Seattle also spends a little more than DC but Seattle’s ridership is much lower. </a:t>
             </a:r>
             <a:endParaRPr/>
           </a:p>
@@ -1182,12 +1278,12 @@
 </p:notes>
 </file>
 
-<file path=ppt/notesSlides/notesSlide2.xml><?xml version="1.0" encoding="utf-8"?>
+<file path=ppt/notesSlides/notesSlide13.xml><?xml version="1.0" encoding="utf-8"?>
 <p:notes xmlns:a="http://schemas.openxmlformats.org/drawingml/2006/main" xmlns:r="http://schemas.openxmlformats.org/officeDocument/2006/relationships" xmlns:mc="http://schemas.openxmlformats.org/markup-compatibility/2006" xmlns:mv="urn:schemas-microsoft-com:mac:vml" xmlns:p="http://schemas.openxmlformats.org/presentationml/2006/main" xmlns:c="http://schemas.openxmlformats.org/drawingml/2006/chart" xmlns:dgm="http://schemas.openxmlformats.org/drawingml/2006/diagram" xmlns:o="urn:schemas-microsoft-com:office:office" xmlns:v="urn:schemas-microsoft-com:vml" xmlns:pvml="urn:schemas-microsoft-com:office:powerpoint" xmlns:com="http://schemas.openxmlformats.org/drawingml/2006/compatibility" xmlns:p14="http://schemas.microsoft.com/office/powerpoint/2010/main" xmlns:p15="http://schemas.microsoft.com/office/powerpoint/2012/main" xmlns:ahyp="http://schemas.microsoft.com/office/drawing/2018/hyperlinkcolor" showMasterPhAnim="0" showMasterSp="0">
   <p:cSld>
     <p:spTree>
       <p:nvGrpSpPr>
-        <p:cNvPr id="136" name="Shape 136"/>
+        <p:cNvPr id="203" name="Shape 203"/>
         <p:cNvGrpSpPr/>
         <p:nvPr/>
       </p:nvGrpSpPr>
@@ -1201,7 +1297,7 @@
       </p:grpSpPr>
       <p:sp>
         <p:nvSpPr>
-          <p:cNvPr id="137" name="Google Shape;137;ge210fe2c9f_0_0:notes"/>
+          <p:cNvPr id="204" name="Google Shape;204;ge27b68e0f6_1_21:notes"/>
           <p:cNvSpPr/>
           <p:nvPr>
             <p:ph idx="2" type="sldImg"/>
@@ -1236,7 +1332,7 @@
       </p:sp>
       <p:sp>
         <p:nvSpPr>
-          <p:cNvPr id="138" name="Google Shape;138;ge210fe2c9f_0_0:notes"/>
+          <p:cNvPr id="205" name="Google Shape;205;ge27b68e0f6_1_21:notes"/>
           <p:cNvSpPr txBox="1"/>
           <p:nvPr>
             <p:ph idx="1" type="body"/>
@@ -1267,7 +1363,136 @@
               <a:buNone/>
             </a:pPr>
             <a:r>
+              <a:rPr lang="en"/>
+              <a:t>-The internet is full data. Some is useful while others are not so much. It </a:t>
+            </a:r>
+            <a:r>
+              <a:rPr lang="en"/>
+              <a:t>takes a good amount of time to pick out datasets.</a:t>
+            </a:r>
+            <a:endParaRPr/>
+          </a:p>
+          <a:p>
+            <a:pPr indent="0" lvl="0" marL="0" rtl="0" algn="l">
+              <a:spcBef>
+                <a:spcPts val="0"/>
+              </a:spcBef>
+              <a:spcAft>
+                <a:spcPts val="0"/>
+              </a:spcAft>
+              <a:buNone/>
+            </a:pPr>
+            <a:r>
               <a:t/>
+            </a:r>
+            <a:endParaRPr/>
+          </a:p>
+          <a:p>
+            <a:pPr indent="0" lvl="0" marL="0" rtl="0" algn="l">
+              <a:spcBef>
+                <a:spcPts val="0"/>
+              </a:spcBef>
+              <a:spcAft>
+                <a:spcPts val="0"/>
+              </a:spcAft>
+              <a:buNone/>
+            </a:pPr>
+            <a:r>
+              <a:rPr lang="en"/>
+              <a:t>-Cleaning up the data to extract information was also difficult and time consuming. Data from different sources are structured differently. In order to make visualizations for you data, I needed to filter and slice the data so that it can be plotted.</a:t>
+            </a:r>
+            <a:endParaRPr/>
+          </a:p>
+          <a:p>
+            <a:pPr indent="0" lvl="0" marL="0" rtl="0" algn="l">
+              <a:spcBef>
+                <a:spcPts val="0"/>
+              </a:spcBef>
+              <a:spcAft>
+                <a:spcPts val="0"/>
+              </a:spcAft>
+              <a:buNone/>
+            </a:pPr>
+            <a:r>
+              <a:t/>
+            </a:r>
+            <a:endParaRPr/>
+          </a:p>
+          <a:p>
+            <a:pPr indent="0" lvl="0" marL="0" rtl="0" algn="l">
+              <a:spcBef>
+                <a:spcPts val="0"/>
+              </a:spcBef>
+              <a:spcAft>
+                <a:spcPts val="0"/>
+              </a:spcAft>
+              <a:buNone/>
+            </a:pPr>
+            <a:r>
+              <a:rPr lang="en"/>
+              <a:t>-I needed to join datasets together from different sources and the columns needed to be clean to join. </a:t>
+            </a:r>
+            <a:endParaRPr/>
+          </a:p>
+          <a:p>
+            <a:pPr indent="0" lvl="0" marL="0" rtl="0" algn="l">
+              <a:spcBef>
+                <a:spcPts val="0"/>
+              </a:spcBef>
+              <a:spcAft>
+                <a:spcPts val="0"/>
+              </a:spcAft>
+              <a:buNone/>
+            </a:pPr>
+            <a:r>
+              <a:t/>
+            </a:r>
+            <a:endParaRPr/>
+          </a:p>
+          <a:p>
+            <a:pPr indent="0" lvl="0" marL="0" rtl="0" algn="l">
+              <a:spcBef>
+                <a:spcPts val="0"/>
+              </a:spcBef>
+              <a:spcAft>
+                <a:spcPts val="0"/>
+              </a:spcAft>
+              <a:buNone/>
+            </a:pPr>
+            <a:r>
+              <a:rPr lang="en"/>
+              <a:t>-Picking the right visuals from the many, many options, and be able to tell a story from those visuals. I will admit that visualizations was not a strong for me during this class, and that’s why I chose simple graphs for my presentation. </a:t>
+            </a:r>
+            <a:endParaRPr/>
+          </a:p>
+          <a:p>
+            <a:pPr indent="0" lvl="0" marL="0" rtl="0" algn="l">
+              <a:spcBef>
+                <a:spcPts val="0"/>
+              </a:spcBef>
+              <a:spcAft>
+                <a:spcPts val="0"/>
+              </a:spcAft>
+              <a:buNone/>
+            </a:pPr>
+            <a:r>
+              <a:t/>
+            </a:r>
+            <a:endParaRPr/>
+          </a:p>
+          <a:p>
+            <a:pPr indent="0" lvl="0" marL="0" rtl="0" algn="l">
+              <a:spcBef>
+                <a:spcPts val="0"/>
+              </a:spcBef>
+              <a:spcAft>
+                <a:spcPts val="0"/>
+              </a:spcAft>
+              <a:buNone/>
+            </a:pPr>
+            <a:r>
+              <a:rPr lang="en"/>
+              <a:t>Finally, my last slide is within Tableau.</a:t>
             </a:r>
             <a:endParaRPr/>
           </a:p>
@@ -1281,12 +1506,12 @@
 </p:notes>
 </file>
 
-<file path=ppt/notesSlides/notesSlide3.xml><?xml version="1.0" encoding="utf-8"?>
+<file path=ppt/notesSlides/notesSlide14.xml><?xml version="1.0" encoding="utf-8"?>
 <p:notes xmlns:a="http://schemas.openxmlformats.org/drawingml/2006/main" xmlns:r="http://schemas.openxmlformats.org/officeDocument/2006/relationships" xmlns:mc="http://schemas.openxmlformats.org/markup-compatibility/2006" xmlns:mv="urn:schemas-microsoft-com:mac:vml" xmlns:p="http://schemas.openxmlformats.org/presentationml/2006/main" xmlns:c="http://schemas.openxmlformats.org/drawingml/2006/chart" xmlns:dgm="http://schemas.openxmlformats.org/drawingml/2006/diagram" xmlns:o="urn:schemas-microsoft-com:office:office" xmlns:v="urn:schemas-microsoft-com:vml" xmlns:pvml="urn:schemas-microsoft-com:office:powerpoint" xmlns:com="http://schemas.openxmlformats.org/drawingml/2006/compatibility" xmlns:p14="http://schemas.microsoft.com/office/powerpoint/2010/main" xmlns:p15="http://schemas.microsoft.com/office/powerpoint/2012/main" xmlns:ahyp="http://schemas.microsoft.com/office/drawing/2018/hyperlinkcolor" showMasterPhAnim="0" showMasterSp="0">
   <p:cSld>
     <p:spTree>
       <p:nvGrpSpPr>
-        <p:cNvPr id="142" name="Shape 142"/>
+        <p:cNvPr id="209" name="Shape 209"/>
         <p:cNvGrpSpPr/>
         <p:nvPr/>
       </p:nvGrpSpPr>
@@ -1300,7 +1525,7 @@
       </p:grpSpPr>
       <p:sp>
         <p:nvSpPr>
-          <p:cNvPr id="143" name="Google Shape;143;ge1c2f282ad_0_538:notes"/>
+          <p:cNvPr id="210" name="Google Shape;210;ge240ea6115_0_14:notes"/>
           <p:cNvSpPr/>
           <p:nvPr>
             <p:ph idx="2" type="sldImg"/>
@@ -1335,7 +1560,7 @@
       </p:sp>
       <p:sp>
         <p:nvSpPr>
-          <p:cNvPr id="144" name="Google Shape;144;ge1c2f282ad_0_538:notes"/>
+          <p:cNvPr id="211" name="Google Shape;211;ge240ea6115_0_14:notes"/>
           <p:cNvSpPr txBox="1"/>
           <p:nvPr>
             <p:ph idx="1" type="body"/>
@@ -1366,140 +1591,7 @@
               <a:buNone/>
             </a:pPr>
             <a:r>
-              <a:rPr lang="en"/>
-              <a:t>On this slide, we are taking a look at Nashville’s population growth over the last decade. Represented by the blue line with the </a:t>
-            </a:r>
-            <a:r>
-              <a:rPr lang="en"/>
-              <a:t>diamond</a:t>
-            </a:r>
-            <a:r>
-              <a:rPr lang="en"/>
-              <a:t> markers.</a:t>
-            </a:r>
-            <a:endParaRPr/>
-          </a:p>
-          <a:p>
-            <a:pPr indent="0" lvl="0" marL="0" rtl="0" algn="l">
-              <a:spcBef>
-                <a:spcPts val="0"/>
-              </a:spcBef>
-              <a:spcAft>
-                <a:spcPts val="0"/>
-              </a:spcAft>
-              <a:buNone/>
-            </a:pPr>
-            <a:r>
               <a:t/>
-            </a:r>
-            <a:endParaRPr/>
-          </a:p>
-          <a:p>
-            <a:pPr indent="0" lvl="0" marL="0" rtl="0" algn="l">
-              <a:spcBef>
-                <a:spcPts val="0"/>
-              </a:spcBef>
-              <a:spcAft>
-                <a:spcPts val="0"/>
-              </a:spcAft>
-              <a:buNone/>
-            </a:pPr>
-            <a:r>
-              <a:rPr lang="en"/>
-              <a:t>I then took Nashville’s population in 2020 and plotted some cities with similar sized populatiosn. The range I chose was +- 5% Nashville’s population.</a:t>
-            </a:r>
-            <a:endParaRPr/>
-          </a:p>
-          <a:p>
-            <a:pPr indent="0" lvl="0" marL="0" rtl="0" algn="l">
-              <a:spcBef>
-                <a:spcPts val="0"/>
-              </a:spcBef>
-              <a:spcAft>
-                <a:spcPts val="0"/>
-              </a:spcAft>
-              <a:buNone/>
-            </a:pPr>
-            <a:r>
-              <a:t/>
-            </a:r>
-            <a:endParaRPr/>
-          </a:p>
-          <a:p>
-            <a:pPr indent="0" lvl="0" marL="0" rtl="0" algn="l">
-              <a:spcBef>
-                <a:spcPts val="0"/>
-              </a:spcBef>
-              <a:spcAft>
-                <a:spcPts val="0"/>
-              </a:spcAft>
-              <a:buNone/>
-            </a:pPr>
-            <a:r>
-              <a:rPr lang="en"/>
-              <a:t>This range was arbitrarily chosen but it gave me a good number of neighboring cities. </a:t>
-            </a:r>
-            <a:endParaRPr/>
-          </a:p>
-          <a:p>
-            <a:pPr indent="0" lvl="0" marL="0" rtl="0" algn="l">
-              <a:spcBef>
-                <a:spcPts val="0"/>
-              </a:spcBef>
-              <a:spcAft>
-                <a:spcPts val="0"/>
-              </a:spcAft>
-              <a:buNone/>
-            </a:pPr>
-            <a:r>
-              <a:t/>
-            </a:r>
-            <a:endParaRPr/>
-          </a:p>
-          <a:p>
-            <a:pPr indent="0" lvl="0" marL="0" rtl="0" algn="l">
-              <a:spcBef>
-                <a:spcPts val="0"/>
-              </a:spcBef>
-              <a:spcAft>
-                <a:spcPts val="0"/>
-              </a:spcAft>
-              <a:buNone/>
-            </a:pPr>
-            <a:r>
-              <a:rPr lang="en"/>
-              <a:t>One thing to note is some of the trajectories of these cities. While the majority are on an upward trend, cities such as Detroit and Memphis are going in the opposite direction.</a:t>
-            </a:r>
-            <a:endParaRPr/>
-          </a:p>
-          <a:p>
-            <a:pPr indent="0" lvl="0" marL="0" rtl="0" algn="l">
-              <a:spcBef>
-                <a:spcPts val="0"/>
-              </a:spcBef>
-              <a:spcAft>
-                <a:spcPts val="0"/>
-              </a:spcAft>
-              <a:buNone/>
-            </a:pPr>
-            <a:r>
-              <a:t/>
-            </a:r>
-            <a:endParaRPr/>
-          </a:p>
-          <a:p>
-            <a:pPr indent="0" lvl="0" marL="0" rtl="0" algn="l">
-              <a:spcBef>
-                <a:spcPts val="0"/>
-              </a:spcBef>
-              <a:spcAft>
-                <a:spcPts val="0"/>
-              </a:spcAft>
-              <a:buNone/>
-            </a:pPr>
-            <a:r>
-              <a:rPr lang="en"/>
-              <a:t>Before we take a look at the cities public transportation, I want to notate a couple of benefits from public transportation.</a:t>
             </a:r>
             <a:endParaRPr/>
           </a:p>
@@ -1513,12 +1605,12 @@
 </p:notes>
 </file>
 
-<file path=ppt/notesSlides/notesSlide4.xml><?xml version="1.0" encoding="utf-8"?>
+<file path=ppt/notesSlides/notesSlide2.xml><?xml version="1.0" encoding="utf-8"?>
 <p:notes xmlns:a="http://schemas.openxmlformats.org/drawingml/2006/main" xmlns:r="http://schemas.openxmlformats.org/officeDocument/2006/relationships" xmlns:mc="http://schemas.openxmlformats.org/markup-compatibility/2006" xmlns:mv="urn:schemas-microsoft-com:mac:vml" xmlns:p="http://schemas.openxmlformats.org/presentationml/2006/main" xmlns:c="http://schemas.openxmlformats.org/drawingml/2006/chart" xmlns:dgm="http://schemas.openxmlformats.org/drawingml/2006/diagram" xmlns:o="urn:schemas-microsoft-com:office:office" xmlns:v="urn:schemas-microsoft-com:vml" xmlns:pvml="urn:schemas-microsoft-com:office:powerpoint" xmlns:com="http://schemas.openxmlformats.org/drawingml/2006/compatibility" xmlns:p14="http://schemas.microsoft.com/office/powerpoint/2010/main" xmlns:p15="http://schemas.microsoft.com/office/powerpoint/2012/main" xmlns:ahyp="http://schemas.microsoft.com/office/drawing/2018/hyperlinkcolor" showMasterPhAnim="0" showMasterSp="0">
   <p:cSld>
     <p:spTree>
       <p:nvGrpSpPr>
-        <p:cNvPr id="149" name="Shape 149"/>
+        <p:cNvPr id="136" name="Shape 136"/>
         <p:cNvGrpSpPr/>
         <p:nvPr/>
       </p:nvGrpSpPr>
@@ -1532,7 +1624,7 @@
       </p:grpSpPr>
       <p:sp>
         <p:nvSpPr>
-          <p:cNvPr id="150" name="Google Shape;150;ge210fe2c9f_0_5:notes"/>
+          <p:cNvPr id="137" name="Google Shape;137;ge27b68e0f6_1_8:notes"/>
           <p:cNvSpPr/>
           <p:nvPr>
             <p:ph idx="2" type="sldImg"/>
@@ -1567,7 +1659,7 @@
       </p:sp>
       <p:sp>
         <p:nvSpPr>
-          <p:cNvPr id="151" name="Google Shape;151;ge210fe2c9f_0_5:notes"/>
+          <p:cNvPr id="138" name="Google Shape;138;ge27b68e0f6_1_8:notes"/>
           <p:cNvSpPr txBox="1"/>
           <p:nvPr>
             <p:ph idx="1" type="body"/>
@@ -1599,15 +1691,7 @@
             </a:pPr>
             <a:r>
               <a:rPr lang="en"/>
-              <a:t>These are only some of the </a:t>
-            </a:r>
-            <a:r>
-              <a:rPr lang="en"/>
-              <a:t>benefits</a:t>
-            </a:r>
-            <a:r>
-              <a:rPr lang="en"/>
-              <a:t> that you would get with public transportation.</a:t>
+              <a:t>Here are some of my data sources. Population data from the Census and public transportation data was from the Department of Transportation. </a:t>
             </a:r>
             <a:endParaRPr/>
           </a:p>
@@ -1638,11 +1722,7 @@
             </a:pPr>
             <a:r>
               <a:rPr lang="en"/>
-              <a:t>Air pollution - We all remember COVID lockdown and you could </a:t>
-            </a:r>
-            <a:r>
-              <a:rPr lang="en"/>
-              <a:t>notice the better air quality due to less cars. </a:t>
+              <a:t>The majority of my work was done in Python as that was my favorite technology I learned during this course. I will have a small dashboard created in Tableau. And finally I used excel to verify data and confirm things were lined up correctly. </a:t>
             </a:r>
             <a:endParaRPr/>
           </a:p>
@@ -1673,69 +1753,7 @@
             </a:pPr>
             <a:r>
               <a:rPr lang="en"/>
-              <a:t>Mobility - As the city grows, places to live get more scarce. We need to invest in public transportation to increase that mobility</a:t>
-            </a:r>
-            <a:endParaRPr/>
-          </a:p>
-          <a:p>
-            <a:pPr indent="0" lvl="0" marL="0" rtl="0" algn="l">
-              <a:spcBef>
-                <a:spcPts val="0"/>
-              </a:spcBef>
-              <a:spcAft>
-                <a:spcPts val="0"/>
-              </a:spcAft>
-              <a:buNone/>
-            </a:pPr>
-            <a:r>
-              <a:t/>
-            </a:r>
-            <a:endParaRPr/>
-          </a:p>
-          <a:p>
-            <a:pPr indent="0" lvl="0" marL="0" rtl="0" algn="l">
-              <a:spcBef>
-                <a:spcPts val="0"/>
-              </a:spcBef>
-              <a:spcAft>
-                <a:spcPts val="0"/>
-              </a:spcAft>
-              <a:buNone/>
-            </a:pPr>
-            <a:r>
-              <a:rPr lang="en"/>
-              <a:t>Healthier habits - having a good network of public transportation encourages more people to walk and stay active</a:t>
-            </a:r>
-            <a:endParaRPr/>
-          </a:p>
-          <a:p>
-            <a:pPr indent="0" lvl="0" marL="0" rtl="0" algn="l">
-              <a:spcBef>
-                <a:spcPts val="0"/>
-              </a:spcBef>
-              <a:spcAft>
-                <a:spcPts val="0"/>
-              </a:spcAft>
-              <a:buNone/>
-            </a:pPr>
-            <a:r>
-              <a:t/>
-            </a:r>
-            <a:endParaRPr/>
-          </a:p>
-          <a:p>
-            <a:pPr indent="0" lvl="0" marL="0" rtl="0" algn="l">
-              <a:spcBef>
-                <a:spcPts val="0"/>
-              </a:spcBef>
-              <a:spcAft>
-                <a:spcPts val="0"/>
-              </a:spcAft>
-              <a:buNone/>
-            </a:pPr>
-            <a:r>
-              <a:rPr lang="en"/>
-              <a:t>Reduced traffic congestion - As we walk through the next couple of slides, keep this one in mind.</a:t>
+              <a:t>I want to note that I wanted to include SQL in my project but ultimately ran out of time. </a:t>
             </a:r>
             <a:endParaRPr/>
           </a:p>
@@ -1749,12 +1767,12 @@
 </p:notes>
 </file>
 
-<file path=ppt/notesSlides/notesSlide5.xml><?xml version="1.0" encoding="utf-8"?>
+<file path=ppt/notesSlides/notesSlide3.xml><?xml version="1.0" encoding="utf-8"?>
 <p:notes xmlns:a="http://schemas.openxmlformats.org/drawingml/2006/main" xmlns:r="http://schemas.openxmlformats.org/officeDocument/2006/relationships" xmlns:mc="http://schemas.openxmlformats.org/markup-compatibility/2006" xmlns:mv="urn:schemas-microsoft-com:mac:vml" xmlns:p="http://schemas.openxmlformats.org/presentationml/2006/main" xmlns:c="http://schemas.openxmlformats.org/drawingml/2006/chart" xmlns:dgm="http://schemas.openxmlformats.org/drawingml/2006/diagram" xmlns:o="urn:schemas-microsoft-com:office:office" xmlns:v="urn:schemas-microsoft-com:vml" xmlns:pvml="urn:schemas-microsoft-com:office:powerpoint" xmlns:com="http://schemas.openxmlformats.org/drawingml/2006/compatibility" xmlns:p14="http://schemas.microsoft.com/office/powerpoint/2010/main" xmlns:p15="http://schemas.microsoft.com/office/powerpoint/2012/main" xmlns:ahyp="http://schemas.microsoft.com/office/drawing/2018/hyperlinkcolor" showMasterPhAnim="0" showMasterSp="0">
   <p:cSld>
     <p:spTree>
       <p:nvGrpSpPr>
-        <p:cNvPr id="155" name="Shape 155"/>
+        <p:cNvPr id="143" name="Shape 143"/>
         <p:cNvGrpSpPr/>
         <p:nvPr/>
       </p:nvGrpSpPr>
@@ -1768,7 +1786,7 @@
       </p:grpSpPr>
       <p:sp>
         <p:nvSpPr>
-          <p:cNvPr id="156" name="Google Shape;156;ge1c2f282ad_0_544:notes"/>
+          <p:cNvPr id="144" name="Google Shape;144;ge210fe2c9f_0_0:notes"/>
           <p:cNvSpPr/>
           <p:nvPr>
             <p:ph idx="2" type="sldImg"/>
@@ -1803,7 +1821,7 @@
       </p:sp>
       <p:sp>
         <p:nvSpPr>
-          <p:cNvPr id="157" name="Google Shape;157;ge1c2f282ad_0_544:notes"/>
+          <p:cNvPr id="145" name="Google Shape;145;ge210fe2c9f_0_0:notes"/>
           <p:cNvSpPr txBox="1"/>
           <p:nvPr>
             <p:ph idx="1" type="body"/>
@@ -1834,74 +1852,7 @@
               <a:buNone/>
             </a:pPr>
             <a:r>
-              <a:rPr lang="en"/>
-              <a:t>So the first mode of transportation I wanted to look at was buses. They are the most </a:t>
-            </a:r>
-            <a:r>
-              <a:rPr lang="en"/>
-              <a:t>simple and most common across all cities. </a:t>
-            </a:r>
-            <a:endParaRPr/>
-          </a:p>
-          <a:p>
-            <a:pPr indent="0" lvl="0" marL="0" rtl="0" algn="l">
-              <a:spcBef>
-                <a:spcPts val="0"/>
-              </a:spcBef>
-              <a:spcAft>
-                <a:spcPts val="0"/>
-              </a:spcAft>
-              <a:buNone/>
-            </a:pPr>
-            <a:r>
               <a:t/>
-            </a:r>
-            <a:endParaRPr/>
-          </a:p>
-          <a:p>
-            <a:pPr indent="0" lvl="0" marL="0" rtl="0" algn="l">
-              <a:spcBef>
-                <a:spcPts val="0"/>
-              </a:spcBef>
-              <a:spcAft>
-                <a:spcPts val="0"/>
-              </a:spcAft>
-              <a:buNone/>
-            </a:pPr>
-            <a:r>
-              <a:rPr lang="en"/>
-              <a:t>As you can see, Nashville’s ridership is not too high. These cities all have relatively the same population yet some have 5-10x more bus riders.</a:t>
-            </a:r>
-            <a:endParaRPr/>
-          </a:p>
-          <a:p>
-            <a:pPr indent="0" lvl="0" marL="0" rtl="0" algn="l">
-              <a:spcBef>
-                <a:spcPts val="0"/>
-              </a:spcBef>
-              <a:spcAft>
-                <a:spcPts val="0"/>
-              </a:spcAft>
-              <a:buNone/>
-            </a:pPr>
-            <a:r>
-              <a:t/>
-            </a:r>
-            <a:endParaRPr/>
-          </a:p>
-          <a:p>
-            <a:pPr indent="0" lvl="0" marL="0" rtl="0" algn="l">
-              <a:spcBef>
-                <a:spcPts val="0"/>
-              </a:spcBef>
-              <a:spcAft>
-                <a:spcPts val="0"/>
-              </a:spcAft>
-              <a:buNone/>
-            </a:pPr>
-            <a:r>
-              <a:rPr lang="en"/>
-              <a:t>I then wanted to see what everyone’s overall ridership looked like. </a:t>
             </a:r>
             <a:endParaRPr/>
           </a:p>
@@ -1915,12 +1866,12 @@
 </p:notes>
 </file>
 
-<file path=ppt/notesSlides/notesSlide6.xml><?xml version="1.0" encoding="utf-8"?>
+<file path=ppt/notesSlides/notesSlide4.xml><?xml version="1.0" encoding="utf-8"?>
 <p:notes xmlns:a="http://schemas.openxmlformats.org/drawingml/2006/main" xmlns:r="http://schemas.openxmlformats.org/officeDocument/2006/relationships" xmlns:mc="http://schemas.openxmlformats.org/markup-compatibility/2006" xmlns:mv="urn:schemas-microsoft-com:mac:vml" xmlns:p="http://schemas.openxmlformats.org/presentationml/2006/main" xmlns:c="http://schemas.openxmlformats.org/drawingml/2006/chart" xmlns:dgm="http://schemas.openxmlformats.org/drawingml/2006/diagram" xmlns:o="urn:schemas-microsoft-com:office:office" xmlns:v="urn:schemas-microsoft-com:vml" xmlns:pvml="urn:schemas-microsoft-com:office:powerpoint" xmlns:com="http://schemas.openxmlformats.org/drawingml/2006/compatibility" xmlns:p14="http://schemas.microsoft.com/office/powerpoint/2010/main" xmlns:p15="http://schemas.microsoft.com/office/powerpoint/2012/main" xmlns:ahyp="http://schemas.microsoft.com/office/drawing/2018/hyperlinkcolor" showMasterPhAnim="0" showMasterSp="0">
   <p:cSld>
     <p:spTree>
       <p:nvGrpSpPr>
-        <p:cNvPr id="161" name="Shape 161"/>
+        <p:cNvPr id="149" name="Shape 149"/>
         <p:cNvGrpSpPr/>
         <p:nvPr/>
       </p:nvGrpSpPr>
@@ -1934,7 +1885,7 @@
       </p:grpSpPr>
       <p:sp>
         <p:nvSpPr>
-          <p:cNvPr id="162" name="Google Shape;162;ge1300bd858_0_7:notes"/>
+          <p:cNvPr id="150" name="Google Shape;150;ge1c2f282ad_0_538:notes"/>
           <p:cNvSpPr/>
           <p:nvPr>
             <p:ph idx="2" type="sldImg"/>
@@ -1969,7 +1920,7 @@
       </p:sp>
       <p:sp>
         <p:nvSpPr>
-          <p:cNvPr id="163" name="Google Shape;163;ge1300bd858_0_7:notes"/>
+          <p:cNvPr id="151" name="Google Shape;151;ge1c2f282ad_0_538:notes"/>
           <p:cNvSpPr txBox="1"/>
           <p:nvPr>
             <p:ph idx="1" type="body"/>
@@ -2001,15 +1952,15 @@
             </a:pPr>
             <a:r>
               <a:rPr lang="en"/>
-              <a:t>On this graph, I’ve plotted the </a:t>
+              <a:t>On this slide, we are taking a look at Nashville’s population growth over the last decade. Represented by the blue line with the </a:t>
             </a:r>
             <a:r>
               <a:rPr lang="en"/>
-              <a:t>overall</a:t>
+              <a:t>diamond</a:t>
             </a:r>
             <a:r>
               <a:rPr lang="en"/>
-              <a:t> ridership for these cities across all modes of public transportation.</a:t>
+              <a:t> markers. This data was pulled from the Census.</a:t>
             </a:r>
             <a:endParaRPr/>
           </a:p>
@@ -2040,7 +1991,15 @@
             </a:pPr>
             <a:r>
               <a:rPr lang="en"/>
-              <a:t>I have also included how much of it is from buses, which is shaded in red. </a:t>
+              <a:t>I then took Nashville’s population in 2020 and plotted some cities with similar sized </a:t>
+            </a:r>
+            <a:r>
+              <a:rPr lang="en"/>
+              <a:t>populations</a:t>
+            </a:r>
+            <a:r>
+              <a:rPr lang="en"/>
+              <a:t>. The range I chose was +- 5% Nashville’s population.</a:t>
             </a:r>
             <a:endParaRPr/>
           </a:p>
@@ -2071,7 +2030,7 @@
             </a:pPr>
             <a:r>
               <a:rPr lang="en"/>
-              <a:t>Please note that the majority of public transportation is made up of buses. </a:t>
+              <a:t>This range was arbitrarily chosen but it gave me a good number of neighboring cities. </a:t>
             </a:r>
             <a:endParaRPr/>
           </a:p>
@@ -2102,7 +2061,38 @@
             </a:pPr>
             <a:r>
               <a:rPr lang="en"/>
-              <a:t>It is interesting to see Boston’s numbers. Only about 30% of their ridership is attributed to buses. The majority of it looks to be something else, and I wanted to check what it was. </a:t>
+              <a:t>One thing to note is some of the trajectories of these cities. While the majority are on an upward trend, cities such as Detroit and Memphis are going in the opposite direction.</a:t>
+            </a:r>
+            <a:endParaRPr/>
+          </a:p>
+          <a:p>
+            <a:pPr indent="0" lvl="0" marL="0" rtl="0" algn="l">
+              <a:spcBef>
+                <a:spcPts val="0"/>
+              </a:spcBef>
+              <a:spcAft>
+                <a:spcPts val="0"/>
+              </a:spcAft>
+              <a:buNone/>
+            </a:pPr>
+            <a:r>
+              <a:t/>
+            </a:r>
+            <a:endParaRPr/>
+          </a:p>
+          <a:p>
+            <a:pPr indent="0" lvl="0" marL="0" rtl="0" algn="l">
+              <a:spcBef>
+                <a:spcPts val="0"/>
+              </a:spcBef>
+              <a:spcAft>
+                <a:spcPts val="0"/>
+              </a:spcAft>
+              <a:buNone/>
+            </a:pPr>
+            <a:r>
+              <a:rPr lang="en"/>
+              <a:t>Before we take a look at the cities public transportation, I want to notate a couple of benefits from public transportation.</a:t>
             </a:r>
             <a:endParaRPr/>
           </a:p>
@@ -2116,12 +2106,12 @@
 </p:notes>
 </file>
 
-<file path=ppt/notesSlides/notesSlide7.xml><?xml version="1.0" encoding="utf-8"?>
+<file path=ppt/notesSlides/notesSlide5.xml><?xml version="1.0" encoding="utf-8"?>
 <p:notes xmlns:a="http://schemas.openxmlformats.org/drawingml/2006/main" xmlns:r="http://schemas.openxmlformats.org/officeDocument/2006/relationships" xmlns:mc="http://schemas.openxmlformats.org/markup-compatibility/2006" xmlns:mv="urn:schemas-microsoft-com:mac:vml" xmlns:p="http://schemas.openxmlformats.org/presentationml/2006/main" xmlns:c="http://schemas.openxmlformats.org/drawingml/2006/chart" xmlns:dgm="http://schemas.openxmlformats.org/drawingml/2006/diagram" xmlns:o="urn:schemas-microsoft-com:office:office" xmlns:v="urn:schemas-microsoft-com:vml" xmlns:pvml="urn:schemas-microsoft-com:office:powerpoint" xmlns:com="http://schemas.openxmlformats.org/drawingml/2006/compatibility" xmlns:p14="http://schemas.microsoft.com/office/powerpoint/2010/main" xmlns:p15="http://schemas.microsoft.com/office/powerpoint/2012/main" xmlns:ahyp="http://schemas.microsoft.com/office/drawing/2018/hyperlinkcolor" showMasterPhAnim="0" showMasterSp="0">
   <p:cSld>
     <p:spTree>
       <p:nvGrpSpPr>
-        <p:cNvPr id="167" name="Shape 167"/>
+        <p:cNvPr id="155" name="Shape 155"/>
         <p:cNvGrpSpPr/>
         <p:nvPr/>
       </p:nvGrpSpPr>
@@ -2135,7 +2125,7 @@
       </p:grpSpPr>
       <p:sp>
         <p:nvSpPr>
-          <p:cNvPr id="168" name="Google Shape;168;ge1300bd858_0_13:notes"/>
+          <p:cNvPr id="156" name="Google Shape;156;ge210fe2c9f_0_5:notes"/>
           <p:cNvSpPr/>
           <p:nvPr>
             <p:ph idx="2" type="sldImg"/>
@@ -2170,7 +2160,7 @@
       </p:sp>
       <p:sp>
         <p:nvSpPr>
-          <p:cNvPr id="169" name="Google Shape;169;ge1300bd858_0_13:notes"/>
+          <p:cNvPr id="157" name="Google Shape;157;ge210fe2c9f_0_5:notes"/>
           <p:cNvSpPr txBox="1"/>
           <p:nvPr>
             <p:ph idx="1" type="body"/>
@@ -2202,7 +2192,15 @@
             </a:pPr>
             <a:r>
               <a:rPr lang="en"/>
-              <a:t>So this is a breakdown of Boston’s modes of transportation. You can see that the bus is ranked 2nd in ridership. </a:t>
+              <a:t>These are only some of the </a:t>
+            </a:r>
+            <a:r>
+              <a:rPr lang="en"/>
+              <a:t>benefits</a:t>
+            </a:r>
+            <a:r>
+              <a:rPr lang="en"/>
+              <a:t> that you would get with public transportation.</a:t>
             </a:r>
             <a:endParaRPr/>
           </a:p>
@@ -2233,7 +2231,11 @@
             </a:pPr>
             <a:r>
               <a:rPr lang="en"/>
-              <a:t>But the majority of Boston’s ridership is on some kind of rail system. Ultimately, I would like Nashville to head in this direction as we grow. </a:t>
+              <a:t>Air pollution - We all remember COVID lockdown and you could </a:t>
+            </a:r>
+            <a:r>
+              <a:rPr lang="en"/>
+              <a:t>notice the better air quality due to less cars. </a:t>
             </a:r>
             <a:endParaRPr/>
           </a:p>
@@ -2264,7 +2266,7 @@
             </a:pPr>
             <a:r>
               <a:rPr lang="en"/>
-              <a:t>Rail systems are efficient, just imagine a train compared to a bus. Trains have the capacity to move hundreds of people while buses are at most able to move 30-40. </a:t>
+              <a:t>Mobility - As the city grows, places to live get more scarce. We need to invest in public transportation to increase that mobility.</a:t>
             </a:r>
             <a:endParaRPr/>
           </a:p>
@@ -2295,15 +2297,38 @@
             </a:pPr>
             <a:r>
               <a:rPr lang="en"/>
-              <a:t>The major </a:t>
-            </a:r>
+              <a:t>Healthier habits - having a good network of public transportation encourages more people to walk and stay active</a:t>
+            </a:r>
+            <a:endParaRPr/>
+          </a:p>
+          <a:p>
+            <a:pPr indent="0" lvl="0" marL="0" rtl="0" algn="l">
+              <a:spcBef>
+                <a:spcPts val="0"/>
+              </a:spcBef>
+              <a:spcAft>
+                <a:spcPts val="0"/>
+              </a:spcAft>
+              <a:buNone/>
+            </a:pPr>
+            <a:r>
+              <a:t/>
+            </a:r>
+            <a:endParaRPr/>
+          </a:p>
+          <a:p>
+            <a:pPr indent="0" lvl="0" marL="0" rtl="0" algn="l">
+              <a:spcBef>
+                <a:spcPts val="0"/>
+              </a:spcBef>
+              <a:spcAft>
+                <a:spcPts val="0"/>
+              </a:spcAft>
+              <a:buNone/>
+            </a:pPr>
             <a:r>
               <a:rPr lang="en"/>
-              <a:t>obstacle</a:t>
-            </a:r>
-            <a:r>
-              <a:rPr lang="en"/>
-              <a:t> to these nice rail systems are the costs. </a:t>
+              <a:t>Reduced traffic congestion - As we walk through the next couple of slides, keep this one in mind.</a:t>
             </a:r>
             <a:endParaRPr/>
           </a:p>
@@ -2317,12 +2342,12 @@
 </p:notes>
 </file>
 
-<file path=ppt/notesSlides/notesSlide8.xml><?xml version="1.0" encoding="utf-8"?>
+<file path=ppt/notesSlides/notesSlide6.xml><?xml version="1.0" encoding="utf-8"?>
 <p:notes xmlns:a="http://schemas.openxmlformats.org/drawingml/2006/main" xmlns:r="http://schemas.openxmlformats.org/officeDocument/2006/relationships" xmlns:mc="http://schemas.openxmlformats.org/markup-compatibility/2006" xmlns:mv="urn:schemas-microsoft-com:mac:vml" xmlns:p="http://schemas.openxmlformats.org/presentationml/2006/main" xmlns:c="http://schemas.openxmlformats.org/drawingml/2006/chart" xmlns:dgm="http://schemas.openxmlformats.org/drawingml/2006/diagram" xmlns:o="urn:schemas-microsoft-com:office:office" xmlns:v="urn:schemas-microsoft-com:vml" xmlns:pvml="urn:schemas-microsoft-com:office:powerpoint" xmlns:com="http://schemas.openxmlformats.org/drawingml/2006/compatibility" xmlns:p14="http://schemas.microsoft.com/office/powerpoint/2010/main" xmlns:p15="http://schemas.microsoft.com/office/powerpoint/2012/main" xmlns:ahyp="http://schemas.microsoft.com/office/drawing/2018/hyperlinkcolor" showMasterPhAnim="0" showMasterSp="0">
   <p:cSld>
     <p:spTree>
       <p:nvGrpSpPr>
-        <p:cNvPr id="173" name="Shape 173"/>
+        <p:cNvPr id="161" name="Shape 161"/>
         <p:cNvGrpSpPr/>
         <p:nvPr/>
       </p:nvGrpSpPr>
@@ -2336,7 +2361,7 @@
       </p:grpSpPr>
       <p:sp>
         <p:nvSpPr>
-          <p:cNvPr id="174" name="Google Shape;174;ge1300bd858_0_27:notes"/>
+          <p:cNvPr id="162" name="Google Shape;162;ge1c2f282ad_0_544:notes"/>
           <p:cNvSpPr/>
           <p:nvPr>
             <p:ph idx="2" type="sldImg"/>
@@ -2371,7 +2396,7 @@
       </p:sp>
       <p:sp>
         <p:nvSpPr>
-          <p:cNvPr id="175" name="Google Shape;175;ge1300bd858_0_27:notes"/>
+          <p:cNvPr id="163" name="Google Shape;163;ge1c2f282ad_0_544:notes"/>
           <p:cNvSpPr txBox="1"/>
           <p:nvPr>
             <p:ph idx="1" type="body"/>
@@ -2403,15 +2428,15 @@
             </a:pPr>
             <a:r>
               <a:rPr lang="en"/>
-              <a:t>This is a breakdown of the total operating expenses(shaded in </a:t>
-            </a:r>
-            <a:r>
-              <a:rPr lang="en"/>
-              <a:t>orange</a:t>
-            </a:r>
-            <a:r>
-              <a:rPr lang="en"/>
-              <a:t>) and the fare revenues(shaded in blue).</a:t>
+              <a:t>The data in the next couple of slides were pulled from the Department of Transportation and they will cover the ridership numbers and finances. The dataset included data dated back to 2001.</a:t>
+            </a:r>
+            <a:r>
+              <a:rPr lang="en">
+                <a:solidFill>
+                  <a:schemeClr val="dk1"/>
+                </a:solidFill>
+              </a:rPr>
+              <a:t> I selected the ridership numbers from 2019 because that is the most recent set before the Pandemic.</a:t>
             </a:r>
             <a:endParaRPr/>
           </a:p>
@@ -2441,8 +2466,7 @@
               <a:buNone/>
             </a:pPr>
             <a:r>
-              <a:rPr lang="en"/>
-              <a:t>The operating expense is much much higher in the cities that have rail systems, but we need to change our viewpoint. </a:t>
+              <a:t/>
             </a:r>
             <a:endParaRPr/>
           </a:p>
@@ -2457,7 +2481,12 @@
               <a:buNone/>
             </a:pPr>
             <a:r>
-              <a:t/>
+              <a:rPr lang="en"/>
+              <a:t>So the first mode of transportation I wanted to look at was buses. They are the most </a:t>
+            </a:r>
+            <a:r>
+              <a:rPr lang="en"/>
+              <a:t>simple and most common across all cities, so I wanted to compare their ridership numbers. </a:t>
             </a:r>
             <a:endParaRPr/>
           </a:p>
@@ -2472,24 +2501,7 @@
               <a:buNone/>
             </a:pPr>
             <a:r>
-              <a:rPr lang="en"/>
-              <a:t>These expenses need to be viewed as an investment back into these respective cities. The are investing this </a:t>
-            </a:r>
-            <a:r>
-              <a:rPr lang="en"/>
-              <a:t>money</a:t>
-            </a:r>
-            <a:r>
-              <a:rPr lang="en"/>
-              <a:t> into the public </a:t>
-            </a:r>
-            <a:r>
-              <a:rPr lang="en"/>
-              <a:t>transportation</a:t>
-            </a:r>
-            <a:r>
-              <a:rPr lang="en"/>
-              <a:t> system in order to get those benefits we list earlier.</a:t>
+              <a:t/>
             </a:r>
             <a:endParaRPr/>
           </a:p>
@@ -2504,7 +2516,8 @@
               <a:buNone/>
             </a:pPr>
             <a:r>
-              <a:t/>
+              <a:rPr lang="en"/>
+              <a:t>As you can see, Nashville’s ridership is not too high. These cities all have relatively the same population yet some have 5-10x more bus riders. There is room for Nashville to catch up to some of these cities.</a:t>
             </a:r>
             <a:endParaRPr/>
           </a:p>
@@ -2519,8 +2532,23 @@
               <a:buNone/>
             </a:pPr>
             <a:r>
+              <a:t/>
+            </a:r>
+            <a:endParaRPr/>
+          </a:p>
+          <a:p>
+            <a:pPr indent="0" lvl="0" marL="0" rtl="0" algn="l">
+              <a:spcBef>
+                <a:spcPts val="0"/>
+              </a:spcBef>
+              <a:spcAft>
+                <a:spcPts val="0"/>
+              </a:spcAft>
+              <a:buNone/>
+            </a:pPr>
+            <a:r>
               <a:rPr lang="en"/>
-              <a:t>Now the next couple of slides are a look into the future. </a:t>
+              <a:t>I then wanted to see what everyone’s overall ridership looked like. </a:t>
             </a:r>
             <a:endParaRPr/>
           </a:p>
@@ -2534,12 +2562,12 @@
 </p:notes>
 </file>
 
-<file path=ppt/notesSlides/notesSlide9.xml><?xml version="1.0" encoding="utf-8"?>
+<file path=ppt/notesSlides/notesSlide7.xml><?xml version="1.0" encoding="utf-8"?>
 <p:notes xmlns:a="http://schemas.openxmlformats.org/drawingml/2006/main" xmlns:r="http://schemas.openxmlformats.org/officeDocument/2006/relationships" xmlns:mc="http://schemas.openxmlformats.org/markup-compatibility/2006" xmlns:mv="urn:schemas-microsoft-com:mac:vml" xmlns:p="http://schemas.openxmlformats.org/presentationml/2006/main" xmlns:c="http://schemas.openxmlformats.org/drawingml/2006/chart" xmlns:dgm="http://schemas.openxmlformats.org/drawingml/2006/diagram" xmlns:o="urn:schemas-microsoft-com:office:office" xmlns:v="urn:schemas-microsoft-com:vml" xmlns:pvml="urn:schemas-microsoft-com:office:powerpoint" xmlns:com="http://schemas.openxmlformats.org/drawingml/2006/compatibility" xmlns:p14="http://schemas.microsoft.com/office/powerpoint/2010/main" xmlns:p15="http://schemas.microsoft.com/office/powerpoint/2012/main" xmlns:ahyp="http://schemas.microsoft.com/office/drawing/2018/hyperlinkcolor" showMasterPhAnim="0" showMasterSp="0">
   <p:cSld>
     <p:spTree>
       <p:nvGrpSpPr>
-        <p:cNvPr id="179" name="Shape 179"/>
+        <p:cNvPr id="167" name="Shape 167"/>
         <p:cNvGrpSpPr/>
         <p:nvPr/>
       </p:nvGrpSpPr>
@@ -2553,7 +2581,7 @@
       </p:grpSpPr>
       <p:sp>
         <p:nvSpPr>
-          <p:cNvPr id="180" name="Google Shape;180;ge210fe2c9f_0_13:notes"/>
+          <p:cNvPr id="168" name="Google Shape;168;ge1300bd858_0_7:notes"/>
           <p:cNvSpPr/>
           <p:nvPr>
             <p:ph idx="2" type="sldImg"/>
@@ -2588,7 +2616,7 @@
       </p:sp>
       <p:sp>
         <p:nvSpPr>
-          <p:cNvPr id="181" name="Google Shape;181;ge210fe2c9f_0_13:notes"/>
+          <p:cNvPr id="169" name="Google Shape;169;ge1300bd858_0_7:notes"/>
           <p:cNvSpPr txBox="1"/>
           <p:nvPr>
             <p:ph idx="1" type="body"/>
@@ -2620,7 +2648,7 @@
             </a:pPr>
             <a:r>
               <a:rPr lang="en"/>
-              <a:t>This is another population graph. </a:t>
+              <a:t>On this graph, I’ve plotted the ridership across all modes of public transportation, including buses. This is represented by the red bar. </a:t>
             </a:r>
             <a:endParaRPr/>
           </a:p>
@@ -2651,7 +2679,7 @@
             </a:pPr>
             <a:r>
               <a:rPr lang="en"/>
-              <a:t>In this graph, I have taken Nashville’s growth over the last decade. I’ve calculated the percent growth which was about 1% average a year. Then I applied that 1% over the next 30 years. </a:t>
+              <a:t>I have also included how much of it is from buses, which is in blue. </a:t>
             </a:r>
             <a:endParaRPr/>
           </a:p>
@@ -2682,7 +2710,7 @@
             </a:pPr>
             <a:r>
               <a:rPr lang="en"/>
-              <a:t>I’ve placed markers at each decade, and if you look at the legend in the top left hand corner, I’ve listed cities that currently have that population. </a:t>
+              <a:t>Please note that the majority of public transportation is made up of buses. </a:t>
             </a:r>
             <a:endParaRPr/>
           </a:p>
@@ -2713,7 +2741,425 @@
             </a:pPr>
             <a:r>
               <a:rPr lang="en"/>
-              <a:t>So by 2030, Nashville will be as large as Denver, Washington DC, and Seattle.</a:t>
+              <a:t>It is interesting to see Boston’s numbers. Only about 30% of their ridership is attributed to buses. The majority of it looks to be something else, and I wanted to check what it was. </a:t>
+            </a:r>
+            <a:endParaRPr/>
+          </a:p>
+        </p:txBody>
+      </p:sp>
+    </p:spTree>
+  </p:cSld>
+  <p:clrMapOvr>
+    <a:masterClrMapping/>
+  </p:clrMapOvr>
+</p:notes>
+</file>
+
+<file path=ppt/notesSlides/notesSlide8.xml><?xml version="1.0" encoding="utf-8"?>
+<p:notes xmlns:a="http://schemas.openxmlformats.org/drawingml/2006/main" xmlns:r="http://schemas.openxmlformats.org/officeDocument/2006/relationships" xmlns:mc="http://schemas.openxmlformats.org/markup-compatibility/2006" xmlns:mv="urn:schemas-microsoft-com:mac:vml" xmlns:p="http://schemas.openxmlformats.org/presentationml/2006/main" xmlns:c="http://schemas.openxmlformats.org/drawingml/2006/chart" xmlns:dgm="http://schemas.openxmlformats.org/drawingml/2006/diagram" xmlns:o="urn:schemas-microsoft-com:office:office" xmlns:v="urn:schemas-microsoft-com:vml" xmlns:pvml="urn:schemas-microsoft-com:office:powerpoint" xmlns:com="http://schemas.openxmlformats.org/drawingml/2006/compatibility" xmlns:p14="http://schemas.microsoft.com/office/powerpoint/2010/main" xmlns:p15="http://schemas.microsoft.com/office/powerpoint/2012/main" xmlns:ahyp="http://schemas.microsoft.com/office/drawing/2018/hyperlinkcolor" showMasterPhAnim="0" showMasterSp="0">
+  <p:cSld>
+    <p:spTree>
+      <p:nvGrpSpPr>
+        <p:cNvPr id="173" name="Shape 173"/>
+        <p:cNvGrpSpPr/>
+        <p:nvPr/>
+      </p:nvGrpSpPr>
+      <p:grpSpPr>
+        <a:xfrm>
+          <a:off x="0" y="0"/>
+          <a:ext cx="0" cy="0"/>
+          <a:chOff x="0" y="0"/>
+          <a:chExt cx="0" cy="0"/>
+        </a:xfrm>
+      </p:grpSpPr>
+      <p:sp>
+        <p:nvSpPr>
+          <p:cNvPr id="174" name="Google Shape;174;ge1300bd858_0_13:notes"/>
+          <p:cNvSpPr/>
+          <p:nvPr>
+            <p:ph idx="2" type="sldImg"/>
+          </p:nvPr>
+        </p:nvSpPr>
+        <p:spPr>
+          <a:xfrm>
+            <a:off x="381300" y="685800"/>
+            <a:ext cx="6096000" cy="3429000"/>
+          </a:xfrm>
+          <a:custGeom>
+            <a:rect b="b" l="l" r="r" t="t"/>
+            <a:pathLst>
+              <a:path extrusionOk="0" h="120000" w="120000">
+                <a:moveTo>
+                  <a:pt x="0" y="0"/>
+                </a:moveTo>
+                <a:lnTo>
+                  <a:pt x="120000" y="0"/>
+                </a:lnTo>
+                <a:lnTo>
+                  <a:pt x="120000" y="120000"/>
+                </a:lnTo>
+                <a:lnTo>
+                  <a:pt x="0" y="120000"/>
+                </a:lnTo>
+                <a:close/>
+              </a:path>
+            </a:pathLst>
+          </a:custGeom>
+        </p:spPr>
+      </p:sp>
+      <p:sp>
+        <p:nvSpPr>
+          <p:cNvPr id="175" name="Google Shape;175;ge1300bd858_0_13:notes"/>
+          <p:cNvSpPr txBox="1"/>
+          <p:nvPr>
+            <p:ph idx="1" type="body"/>
+          </p:nvPr>
+        </p:nvSpPr>
+        <p:spPr>
+          <a:xfrm>
+            <a:off x="685800" y="4343400"/>
+            <a:ext cx="5486400" cy="4114800"/>
+          </a:xfrm>
+          <a:prstGeom prst="rect">
+            <a:avLst/>
+          </a:prstGeom>
+        </p:spPr>
+        <p:txBody>
+          <a:bodyPr anchorCtr="0" anchor="t" bIns="91425" lIns="91425" spcFirstLastPara="1" rIns="91425" wrap="square" tIns="91425">
+            <a:noAutofit/>
+          </a:bodyPr>
+          <a:lstStyle/>
+          <a:p>
+            <a:pPr indent="0" lvl="0" marL="0" rtl="0" algn="l">
+              <a:spcBef>
+                <a:spcPts val="0"/>
+              </a:spcBef>
+              <a:spcAft>
+                <a:spcPts val="0"/>
+              </a:spcAft>
+              <a:buNone/>
+            </a:pPr>
+            <a:r>
+              <a:rPr lang="en"/>
+              <a:t>So this is a breakdown of Boston’s modes of transportation. You can see that the bus is ranked 2nd in ridership. </a:t>
+            </a:r>
+            <a:endParaRPr/>
+          </a:p>
+          <a:p>
+            <a:pPr indent="0" lvl="0" marL="0" rtl="0" algn="l">
+              <a:spcBef>
+                <a:spcPts val="0"/>
+              </a:spcBef>
+              <a:spcAft>
+                <a:spcPts val="0"/>
+              </a:spcAft>
+              <a:buNone/>
+            </a:pPr>
+            <a:r>
+              <a:t/>
+            </a:r>
+            <a:endParaRPr/>
+          </a:p>
+          <a:p>
+            <a:pPr indent="0" lvl="0" marL="0" rtl="0" algn="l">
+              <a:spcBef>
+                <a:spcPts val="0"/>
+              </a:spcBef>
+              <a:spcAft>
+                <a:spcPts val="0"/>
+              </a:spcAft>
+              <a:buNone/>
+            </a:pPr>
+            <a:r>
+              <a:rPr lang="en"/>
+              <a:t>But the majority of Boston’s ridership is on some kind of rail system. Ultimately, I would like Nashville to head in this direction as we grow. </a:t>
+            </a:r>
+            <a:endParaRPr/>
+          </a:p>
+          <a:p>
+            <a:pPr indent="0" lvl="0" marL="0" rtl="0" algn="l">
+              <a:spcBef>
+                <a:spcPts val="0"/>
+              </a:spcBef>
+              <a:spcAft>
+                <a:spcPts val="0"/>
+              </a:spcAft>
+              <a:buNone/>
+            </a:pPr>
+            <a:r>
+              <a:t/>
+            </a:r>
+            <a:endParaRPr/>
+          </a:p>
+          <a:p>
+            <a:pPr indent="0" lvl="0" marL="0" rtl="0" algn="l">
+              <a:spcBef>
+                <a:spcPts val="0"/>
+              </a:spcBef>
+              <a:spcAft>
+                <a:spcPts val="0"/>
+              </a:spcAft>
+              <a:buNone/>
+            </a:pPr>
+            <a:r>
+              <a:rPr lang="en"/>
+              <a:t>Rail systems are efficient, just imagine a train compared to a bus. Trains have the capacity to move hundreds of people while buses are at most able to move 30-40. </a:t>
+            </a:r>
+            <a:endParaRPr/>
+          </a:p>
+          <a:p>
+            <a:pPr indent="0" lvl="0" marL="0" rtl="0" algn="l">
+              <a:spcBef>
+                <a:spcPts val="0"/>
+              </a:spcBef>
+              <a:spcAft>
+                <a:spcPts val="0"/>
+              </a:spcAft>
+              <a:buNone/>
+            </a:pPr>
+            <a:r>
+              <a:t/>
+            </a:r>
+            <a:endParaRPr/>
+          </a:p>
+          <a:p>
+            <a:pPr indent="0" lvl="0" marL="0" rtl="0" algn="l">
+              <a:spcBef>
+                <a:spcPts val="0"/>
+              </a:spcBef>
+              <a:spcAft>
+                <a:spcPts val="0"/>
+              </a:spcAft>
+              <a:buNone/>
+            </a:pPr>
+            <a:r>
+              <a:rPr lang="en"/>
+              <a:t>The major </a:t>
+            </a:r>
+            <a:r>
+              <a:rPr lang="en"/>
+              <a:t>obstacle</a:t>
+            </a:r>
+            <a:r>
+              <a:rPr lang="en"/>
+              <a:t> to these nice rail systems are the costs. </a:t>
+            </a:r>
+            <a:endParaRPr/>
+          </a:p>
+        </p:txBody>
+      </p:sp>
+    </p:spTree>
+  </p:cSld>
+  <p:clrMapOvr>
+    <a:masterClrMapping/>
+  </p:clrMapOvr>
+</p:notes>
+</file>
+
+<file path=ppt/notesSlides/notesSlide9.xml><?xml version="1.0" encoding="utf-8"?>
+<p:notes xmlns:a="http://schemas.openxmlformats.org/drawingml/2006/main" xmlns:r="http://schemas.openxmlformats.org/officeDocument/2006/relationships" xmlns:mc="http://schemas.openxmlformats.org/markup-compatibility/2006" xmlns:mv="urn:schemas-microsoft-com:mac:vml" xmlns:p="http://schemas.openxmlformats.org/presentationml/2006/main" xmlns:c="http://schemas.openxmlformats.org/drawingml/2006/chart" xmlns:dgm="http://schemas.openxmlformats.org/drawingml/2006/diagram" xmlns:o="urn:schemas-microsoft-com:office:office" xmlns:v="urn:schemas-microsoft-com:vml" xmlns:pvml="urn:schemas-microsoft-com:office:powerpoint" xmlns:com="http://schemas.openxmlformats.org/drawingml/2006/compatibility" xmlns:p14="http://schemas.microsoft.com/office/powerpoint/2010/main" xmlns:p15="http://schemas.microsoft.com/office/powerpoint/2012/main" xmlns:ahyp="http://schemas.microsoft.com/office/drawing/2018/hyperlinkcolor" showMasterPhAnim="0" showMasterSp="0">
+  <p:cSld>
+    <p:spTree>
+      <p:nvGrpSpPr>
+        <p:cNvPr id="179" name="Shape 179"/>
+        <p:cNvGrpSpPr/>
+        <p:nvPr/>
+      </p:nvGrpSpPr>
+      <p:grpSpPr>
+        <a:xfrm>
+          <a:off x="0" y="0"/>
+          <a:ext cx="0" cy="0"/>
+          <a:chOff x="0" y="0"/>
+          <a:chExt cx="0" cy="0"/>
+        </a:xfrm>
+      </p:grpSpPr>
+      <p:sp>
+        <p:nvSpPr>
+          <p:cNvPr id="180" name="Google Shape;180;ge1300bd858_0_27:notes"/>
+          <p:cNvSpPr/>
+          <p:nvPr>
+            <p:ph idx="2" type="sldImg"/>
+          </p:nvPr>
+        </p:nvSpPr>
+        <p:spPr>
+          <a:xfrm>
+            <a:off x="381300" y="685800"/>
+            <a:ext cx="6096000" cy="3429000"/>
+          </a:xfrm>
+          <a:custGeom>
+            <a:rect b="b" l="l" r="r" t="t"/>
+            <a:pathLst>
+              <a:path extrusionOk="0" h="120000" w="120000">
+                <a:moveTo>
+                  <a:pt x="0" y="0"/>
+                </a:moveTo>
+                <a:lnTo>
+                  <a:pt x="120000" y="0"/>
+                </a:lnTo>
+                <a:lnTo>
+                  <a:pt x="120000" y="120000"/>
+                </a:lnTo>
+                <a:lnTo>
+                  <a:pt x="0" y="120000"/>
+                </a:lnTo>
+                <a:close/>
+              </a:path>
+            </a:pathLst>
+          </a:custGeom>
+        </p:spPr>
+      </p:sp>
+      <p:sp>
+        <p:nvSpPr>
+          <p:cNvPr id="181" name="Google Shape;181;ge1300bd858_0_27:notes"/>
+          <p:cNvSpPr txBox="1"/>
+          <p:nvPr>
+            <p:ph idx="1" type="body"/>
+          </p:nvPr>
+        </p:nvSpPr>
+        <p:spPr>
+          <a:xfrm>
+            <a:off x="685800" y="4343400"/>
+            <a:ext cx="5486400" cy="4114800"/>
+          </a:xfrm>
+          <a:prstGeom prst="rect">
+            <a:avLst/>
+          </a:prstGeom>
+        </p:spPr>
+        <p:txBody>
+          <a:bodyPr anchorCtr="0" anchor="t" bIns="91425" lIns="91425" spcFirstLastPara="1" rIns="91425" wrap="square" tIns="91425">
+            <a:noAutofit/>
+          </a:bodyPr>
+          <a:lstStyle/>
+          <a:p>
+            <a:pPr indent="0" lvl="0" marL="0" rtl="0" algn="l">
+              <a:spcBef>
+                <a:spcPts val="0"/>
+              </a:spcBef>
+              <a:spcAft>
+                <a:spcPts val="0"/>
+              </a:spcAft>
+              <a:buNone/>
+            </a:pPr>
+            <a:r>
+              <a:rPr lang="en"/>
+              <a:t>This is a breakdown of the total operating expenses(shaded in </a:t>
+            </a:r>
+            <a:r>
+              <a:rPr lang="en"/>
+              <a:t>orange</a:t>
+            </a:r>
+            <a:r>
+              <a:rPr lang="en"/>
+              <a:t>) and the fare revenues(shaded in blue).</a:t>
+            </a:r>
+            <a:endParaRPr/>
+          </a:p>
+          <a:p>
+            <a:pPr indent="0" lvl="0" marL="0" rtl="0" algn="l">
+              <a:spcBef>
+                <a:spcPts val="0"/>
+              </a:spcBef>
+              <a:spcAft>
+                <a:spcPts val="0"/>
+              </a:spcAft>
+              <a:buNone/>
+            </a:pPr>
+            <a:r>
+              <a:t/>
+            </a:r>
+            <a:endParaRPr/>
+          </a:p>
+          <a:p>
+            <a:pPr indent="0" lvl="0" marL="0" rtl="0" algn="l">
+              <a:spcBef>
+                <a:spcPts val="0"/>
+              </a:spcBef>
+              <a:spcAft>
+                <a:spcPts val="0"/>
+              </a:spcAft>
+              <a:buNone/>
+            </a:pPr>
+            <a:r>
+              <a:rPr lang="en"/>
+              <a:t>The operating expense is much much higher in the cities that have rail systems, but we need to change our viewpoint. </a:t>
+            </a:r>
+            <a:endParaRPr/>
+          </a:p>
+          <a:p>
+            <a:pPr indent="0" lvl="0" marL="0" rtl="0" algn="l">
+              <a:spcBef>
+                <a:spcPts val="0"/>
+              </a:spcBef>
+              <a:spcAft>
+                <a:spcPts val="0"/>
+              </a:spcAft>
+              <a:buNone/>
+            </a:pPr>
+            <a:r>
+              <a:t/>
+            </a:r>
+            <a:endParaRPr/>
+          </a:p>
+          <a:p>
+            <a:pPr indent="0" lvl="0" marL="0" rtl="0" algn="l">
+              <a:spcBef>
+                <a:spcPts val="0"/>
+              </a:spcBef>
+              <a:spcAft>
+                <a:spcPts val="0"/>
+              </a:spcAft>
+              <a:buNone/>
+            </a:pPr>
+            <a:r>
+              <a:rPr lang="en"/>
+              <a:t>These expenses need to be viewed as an investment back into these respective cities. The are investing this </a:t>
+            </a:r>
+            <a:r>
+              <a:rPr lang="en"/>
+              <a:t>money</a:t>
+            </a:r>
+            <a:r>
+              <a:rPr lang="en"/>
+              <a:t> into the public </a:t>
+            </a:r>
+            <a:r>
+              <a:rPr lang="en"/>
+              <a:t>transportation</a:t>
+            </a:r>
+            <a:r>
+              <a:rPr lang="en"/>
+              <a:t> system in order to get those benefits we list earlier.</a:t>
+            </a:r>
+            <a:endParaRPr/>
+          </a:p>
+          <a:p>
+            <a:pPr indent="0" lvl="0" marL="0" rtl="0" algn="l">
+              <a:spcBef>
+                <a:spcPts val="0"/>
+              </a:spcBef>
+              <a:spcAft>
+                <a:spcPts val="0"/>
+              </a:spcAft>
+              <a:buNone/>
+            </a:pPr>
+            <a:r>
+              <a:t/>
+            </a:r>
+            <a:endParaRPr/>
+          </a:p>
+          <a:p>
+            <a:pPr indent="0" lvl="0" marL="0" rtl="0" algn="l">
+              <a:spcBef>
+                <a:spcPts val="0"/>
+              </a:spcBef>
+              <a:spcAft>
+                <a:spcPts val="0"/>
+              </a:spcAft>
+              <a:buNone/>
+            </a:pPr>
+            <a:r>
+              <a:rPr lang="en"/>
+              <a:t>Now the next couple of slides are a look into the future. </a:t>
             </a:r>
             <a:endParaRPr/>
           </a:p>
@@ -11043,7 +11489,7 @@
         </p:nvSpPr>
         <p:spPr>
           <a:xfrm>
-            <a:off x="960725" y="189650"/>
+            <a:off x="952688" y="134125"/>
             <a:ext cx="7038900" cy="914100"/>
           </a:xfrm>
           <a:prstGeom prst="rect">
@@ -11067,46 +11513,7 @@
             </a:pPr>
             <a:r>
               <a:rPr lang="en"/>
-              <a:t>Future Ridership</a:t>
-            </a:r>
-            <a:endParaRPr/>
-          </a:p>
-        </p:txBody>
-      </p:sp>
-      <p:sp>
-        <p:nvSpPr>
-          <p:cNvPr id="190" name="Google Shape;190;p22"/>
-          <p:cNvSpPr txBox="1"/>
-          <p:nvPr>
-            <p:ph idx="1" type="body"/>
-          </p:nvPr>
-        </p:nvSpPr>
-        <p:spPr>
-          <a:xfrm>
-            <a:off x="1297500" y="1567550"/>
-            <a:ext cx="7038900" cy="2911200"/>
-          </a:xfrm>
-          <a:prstGeom prst="rect">
-            <a:avLst/>
-          </a:prstGeom>
-        </p:spPr>
-        <p:txBody>
-          <a:bodyPr anchorCtr="0" anchor="t" bIns="91425" lIns="91425" spcFirstLastPara="1" rIns="91425" wrap="square" tIns="91425">
-            <a:normAutofit/>
-          </a:bodyPr>
-          <a:lstStyle/>
-          <a:p>
-            <a:pPr indent="0" lvl="0" marL="0" rtl="0" algn="l">
-              <a:spcBef>
-                <a:spcPts val="0"/>
-              </a:spcBef>
-              <a:spcAft>
-                <a:spcPts val="1200"/>
-              </a:spcAft>
-              <a:buNone/>
-            </a:pPr>
-            <a:r>
-              <a:t/>
+              <a:t>Nashville’s Forecasted Growth</a:t>
             </a:r>
             <a:endParaRPr/>
           </a:p>
@@ -11114,7 +11521,7 @@
       </p:sp>
       <p:pic>
         <p:nvPicPr>
-          <p:cNvPr id="191" name="Google Shape;191;p22"/>
+          <p:cNvPr id="190" name="Google Shape;190;p22"/>
           <p:cNvPicPr preferRelativeResize="0"/>
           <p:nvPr/>
         </p:nvPicPr>
@@ -11128,8 +11535,8 @@
         </p:blipFill>
         <p:spPr>
           <a:xfrm>
-            <a:off x="117388" y="852325"/>
-            <a:ext cx="8909220" cy="4219750"/>
+            <a:off x="166763" y="588300"/>
+            <a:ext cx="8810476" cy="4136750"/>
           </a:xfrm>
           <a:prstGeom prst="rect">
             <a:avLst/>
@@ -11153,7 +11560,7 @@
   <p:cSld>
     <p:spTree>
       <p:nvGrpSpPr>
-        <p:cNvPr id="195" name="Shape 195"/>
+        <p:cNvPr id="194" name="Shape 194"/>
         <p:cNvGrpSpPr/>
         <p:nvPr/>
       </p:nvGrpSpPr>
@@ -11167,7 +11574,7 @@
       </p:grpSpPr>
       <p:sp>
         <p:nvSpPr>
-          <p:cNvPr id="196" name="Google Shape;196;p23"/>
+          <p:cNvPr id="195" name="Google Shape;195;p23"/>
           <p:cNvSpPr txBox="1"/>
           <p:nvPr>
             <p:ph type="title"/>
@@ -11175,7 +11582,7 @@
         </p:nvSpPr>
         <p:spPr>
           <a:xfrm>
-            <a:off x="960725" y="159025"/>
+            <a:off x="919900" y="57000"/>
             <a:ext cx="7038900" cy="914100"/>
           </a:xfrm>
           <a:prstGeom prst="rect">
@@ -11199,46 +11606,7 @@
             </a:pPr>
             <a:r>
               <a:rPr lang="en"/>
-              <a:t>Future Revenue and Expenses</a:t>
-            </a:r>
-            <a:endParaRPr/>
-          </a:p>
-        </p:txBody>
-      </p:sp>
-      <p:sp>
-        <p:nvSpPr>
-          <p:cNvPr id="197" name="Google Shape;197;p23"/>
-          <p:cNvSpPr txBox="1"/>
-          <p:nvPr>
-            <p:ph idx="1" type="body"/>
-          </p:nvPr>
-        </p:nvSpPr>
-        <p:spPr>
-          <a:xfrm>
-            <a:off x="1297500" y="1567550"/>
-            <a:ext cx="7038900" cy="2911200"/>
-          </a:xfrm>
-          <a:prstGeom prst="rect">
-            <a:avLst/>
-          </a:prstGeom>
-        </p:spPr>
-        <p:txBody>
-          <a:bodyPr anchorCtr="0" anchor="t" bIns="91425" lIns="91425" spcFirstLastPara="1" rIns="91425" wrap="square" tIns="91425">
-            <a:normAutofit/>
-          </a:bodyPr>
-          <a:lstStyle/>
-          <a:p>
-            <a:pPr indent="0" lvl="0" marL="0" rtl="0" algn="l">
-              <a:spcBef>
-                <a:spcPts val="0"/>
-              </a:spcBef>
-              <a:spcAft>
-                <a:spcPts val="1200"/>
-              </a:spcAft>
-              <a:buNone/>
-            </a:pPr>
-            <a:r>
-              <a:t/>
+              <a:t>Future Ridership</a:t>
             </a:r>
             <a:endParaRPr/>
           </a:p>
@@ -11246,7 +11614,7 @@
       </p:sp>
       <p:pic>
         <p:nvPicPr>
-          <p:cNvPr id="198" name="Google Shape;198;p23"/>
+          <p:cNvPr id="196" name="Google Shape;196;p23"/>
           <p:cNvPicPr preferRelativeResize="0"/>
           <p:nvPr/>
         </p:nvPicPr>
@@ -11260,8 +11628,8 @@
         </p:blipFill>
         <p:spPr>
           <a:xfrm>
-            <a:off x="91837" y="906425"/>
-            <a:ext cx="8960325" cy="4190500"/>
+            <a:off x="122600" y="582575"/>
+            <a:ext cx="8898801" cy="4071050"/>
           </a:xfrm>
           <a:prstGeom prst="rect">
             <a:avLst/>
@@ -11285,7 +11653,7 @@
   <p:cSld>
     <p:spTree>
       <p:nvGrpSpPr>
-        <p:cNvPr id="202" name="Shape 202"/>
+        <p:cNvPr id="200" name="Shape 200"/>
         <p:cNvGrpSpPr/>
         <p:nvPr/>
       </p:nvGrpSpPr>
@@ -11299,7 +11667,100 @@
       </p:grpSpPr>
       <p:sp>
         <p:nvSpPr>
-          <p:cNvPr id="203" name="Google Shape;203;p24"/>
+          <p:cNvPr id="201" name="Google Shape;201;p24"/>
+          <p:cNvSpPr txBox="1"/>
+          <p:nvPr>
+            <p:ph type="title"/>
+          </p:nvPr>
+        </p:nvSpPr>
+        <p:spPr>
+          <a:xfrm>
+            <a:off x="848450" y="77375"/>
+            <a:ext cx="7038900" cy="914100"/>
+          </a:xfrm>
+          <a:prstGeom prst="rect">
+            <a:avLst/>
+          </a:prstGeom>
+        </p:spPr>
+        <p:txBody>
+          <a:bodyPr anchorCtr="0" anchor="t" bIns="91425" lIns="91425" spcFirstLastPara="1" rIns="91425" wrap="square" tIns="91425">
+            <a:normAutofit/>
+          </a:bodyPr>
+          <a:lstStyle/>
+          <a:p>
+            <a:pPr indent="0" lvl="0" marL="0" rtl="0" algn="l">
+              <a:spcBef>
+                <a:spcPts val="0"/>
+              </a:spcBef>
+              <a:spcAft>
+                <a:spcPts val="0"/>
+              </a:spcAft>
+              <a:buNone/>
+            </a:pPr>
+            <a:r>
+              <a:rPr lang="en"/>
+              <a:t>Future Revenue and Expenses</a:t>
+            </a:r>
+            <a:endParaRPr/>
+          </a:p>
+        </p:txBody>
+      </p:sp>
+      <p:pic>
+        <p:nvPicPr>
+          <p:cNvPr id="202" name="Google Shape;202;p24"/>
+          <p:cNvPicPr preferRelativeResize="0"/>
+          <p:nvPr/>
+        </p:nvPicPr>
+        <p:blipFill>
+          <a:blip r:embed="rId3">
+            <a:alphaModFix/>
+          </a:blip>
+          <a:stretch>
+            <a:fillRect/>
+          </a:stretch>
+        </p:blipFill>
+        <p:spPr>
+          <a:xfrm>
+            <a:off x="236450" y="592775"/>
+            <a:ext cx="8711324" cy="4423149"/>
+          </a:xfrm>
+          <a:prstGeom prst="rect">
+            <a:avLst/>
+          </a:prstGeom>
+          <a:noFill/>
+          <a:ln>
+            <a:noFill/>
+          </a:ln>
+        </p:spPr>
+      </p:pic>
+    </p:spTree>
+  </p:cSld>
+  <p:clrMapOvr>
+    <a:masterClrMapping/>
+  </p:clrMapOvr>
+</p:sld>
+</file>
+
+<file path=ppt/slides/slide13.xml><?xml version="1.0" encoding="utf-8"?>
+<p:sld xmlns:a="http://schemas.openxmlformats.org/drawingml/2006/main" xmlns:r="http://schemas.openxmlformats.org/officeDocument/2006/relationships" xmlns:mc="http://schemas.openxmlformats.org/markup-compatibility/2006" xmlns:mv="urn:schemas-microsoft-com:mac:vml" xmlns:p="http://schemas.openxmlformats.org/presentationml/2006/main" xmlns:c="http://schemas.openxmlformats.org/drawingml/2006/chart" xmlns:dgm="http://schemas.openxmlformats.org/drawingml/2006/diagram" xmlns:o="urn:schemas-microsoft-com:office:office" xmlns:v="urn:schemas-microsoft-com:vml" xmlns:pvml="urn:schemas-microsoft-com:office:powerpoint" xmlns:com="http://schemas.openxmlformats.org/drawingml/2006/compatibility" xmlns:p14="http://schemas.microsoft.com/office/powerpoint/2010/main" xmlns:p15="http://schemas.microsoft.com/office/powerpoint/2012/main" xmlns:ahyp="http://schemas.microsoft.com/office/drawing/2018/hyperlinkcolor">
+  <p:cSld>
+    <p:spTree>
+      <p:nvGrpSpPr>
+        <p:cNvPr id="206" name="Shape 206"/>
+        <p:cNvGrpSpPr/>
+        <p:nvPr/>
+      </p:nvGrpSpPr>
+      <p:grpSpPr>
+        <a:xfrm>
+          <a:off x="0" y="0"/>
+          <a:ext cx="0" cy="0"/>
+          <a:chOff x="0" y="0"/>
+          <a:chExt cx="0" cy="0"/>
+        </a:xfrm>
+      </p:grpSpPr>
+      <p:sp>
+        <p:nvSpPr>
+          <p:cNvPr id="207" name="Google Shape;207;p25"/>
           <p:cNvSpPr txBox="1"/>
           <p:nvPr>
             <p:ph type="title"/>
@@ -11331,7 +11792,7 @@
             </a:pPr>
             <a:r>
               <a:rPr lang="en"/>
-              <a:t>Tableau Dashboard</a:t>
+              <a:t>Challenges during the project	</a:t>
             </a:r>
             <a:endParaRPr/>
           </a:p>
@@ -11339,7 +11800,164 @@
       </p:sp>
       <p:sp>
         <p:nvSpPr>
-          <p:cNvPr id="204" name="Google Shape;204;p24"/>
+          <p:cNvPr id="208" name="Google Shape;208;p25"/>
+          <p:cNvSpPr txBox="1"/>
+          <p:nvPr>
+            <p:ph idx="1" type="body"/>
+          </p:nvPr>
+        </p:nvSpPr>
+        <p:spPr>
+          <a:xfrm>
+            <a:off x="1297500" y="1414025"/>
+            <a:ext cx="7038900" cy="1605600"/>
+          </a:xfrm>
+          <a:prstGeom prst="rect">
+            <a:avLst/>
+          </a:prstGeom>
+        </p:spPr>
+        <p:txBody>
+          <a:bodyPr anchorCtr="0" anchor="t" bIns="91425" lIns="91425" spcFirstLastPara="1" rIns="91425" wrap="square" tIns="91425">
+            <a:normAutofit/>
+          </a:bodyPr>
+          <a:lstStyle/>
+          <a:p>
+            <a:pPr indent="-323850" lvl="0" marL="457200" rtl="0" algn="l">
+              <a:spcBef>
+                <a:spcPts val="0"/>
+              </a:spcBef>
+              <a:spcAft>
+                <a:spcPts val="0"/>
+              </a:spcAft>
+              <a:buSzPts val="1500"/>
+              <a:buChar char="●"/>
+            </a:pPr>
+            <a:r>
+              <a:rPr lang="en" sz="1500"/>
+              <a:t>Sourcing the right data. </a:t>
+            </a:r>
+            <a:endParaRPr sz="1500"/>
+          </a:p>
+          <a:p>
+            <a:pPr indent="-323850" lvl="0" marL="457200" rtl="0" algn="l">
+              <a:spcBef>
+                <a:spcPts val="0"/>
+              </a:spcBef>
+              <a:spcAft>
+                <a:spcPts val="0"/>
+              </a:spcAft>
+              <a:buSzPts val="1500"/>
+              <a:buChar char="●"/>
+            </a:pPr>
+            <a:r>
+              <a:rPr lang="en" sz="1500"/>
+              <a:t>Cleaning the data so that the visualizations will contain the important information.</a:t>
+            </a:r>
+            <a:endParaRPr sz="1500"/>
+          </a:p>
+          <a:p>
+            <a:pPr indent="-323850" lvl="0" marL="457200" rtl="0" algn="l">
+              <a:spcBef>
+                <a:spcPts val="0"/>
+              </a:spcBef>
+              <a:spcAft>
+                <a:spcPts val="0"/>
+              </a:spcAft>
+              <a:buSzPts val="1500"/>
+              <a:buChar char="●"/>
+            </a:pPr>
+            <a:r>
+              <a:rPr lang="en" sz="1500"/>
+              <a:t>Joining data from different sources. </a:t>
+            </a:r>
+            <a:endParaRPr sz="1500"/>
+          </a:p>
+          <a:p>
+            <a:pPr indent="-323850" lvl="0" marL="457200" rtl="0" algn="l">
+              <a:spcBef>
+                <a:spcPts val="0"/>
+              </a:spcBef>
+              <a:spcAft>
+                <a:spcPts val="0"/>
+              </a:spcAft>
+              <a:buSzPts val="1500"/>
+              <a:buChar char="●"/>
+            </a:pPr>
+            <a:r>
+              <a:rPr lang="en" sz="1500"/>
+              <a:t>Picking the right visuals so that the audience is able to follow the story.</a:t>
+            </a:r>
+            <a:endParaRPr sz="1500"/>
+          </a:p>
+        </p:txBody>
+      </p:sp>
+    </p:spTree>
+  </p:cSld>
+  <p:clrMapOvr>
+    <a:masterClrMapping/>
+  </p:clrMapOvr>
+</p:sld>
+</file>
+
+<file path=ppt/slides/slide14.xml><?xml version="1.0" encoding="utf-8"?>
+<p:sld xmlns:a="http://schemas.openxmlformats.org/drawingml/2006/main" xmlns:r="http://schemas.openxmlformats.org/officeDocument/2006/relationships" xmlns:mc="http://schemas.openxmlformats.org/markup-compatibility/2006" xmlns:mv="urn:schemas-microsoft-com:mac:vml" xmlns:p="http://schemas.openxmlformats.org/presentationml/2006/main" xmlns:c="http://schemas.openxmlformats.org/drawingml/2006/chart" xmlns:dgm="http://schemas.openxmlformats.org/drawingml/2006/diagram" xmlns:o="urn:schemas-microsoft-com:office:office" xmlns:v="urn:schemas-microsoft-com:vml" xmlns:pvml="urn:schemas-microsoft-com:office:powerpoint" xmlns:com="http://schemas.openxmlformats.org/drawingml/2006/compatibility" xmlns:p14="http://schemas.microsoft.com/office/powerpoint/2010/main" xmlns:p15="http://schemas.microsoft.com/office/powerpoint/2012/main" xmlns:ahyp="http://schemas.microsoft.com/office/drawing/2018/hyperlinkcolor">
+  <p:cSld>
+    <p:spTree>
+      <p:nvGrpSpPr>
+        <p:cNvPr id="212" name="Shape 212"/>
+        <p:cNvGrpSpPr/>
+        <p:nvPr/>
+      </p:nvGrpSpPr>
+      <p:grpSpPr>
+        <a:xfrm>
+          <a:off x="0" y="0"/>
+          <a:ext cx="0" cy="0"/>
+          <a:chOff x="0" y="0"/>
+          <a:chExt cx="0" cy="0"/>
+        </a:xfrm>
+      </p:grpSpPr>
+      <p:sp>
+        <p:nvSpPr>
+          <p:cNvPr id="213" name="Google Shape;213;p26"/>
+          <p:cNvSpPr txBox="1"/>
+          <p:nvPr>
+            <p:ph type="title"/>
+          </p:nvPr>
+        </p:nvSpPr>
+        <p:spPr>
+          <a:xfrm>
+            <a:off x="1297500" y="393750"/>
+            <a:ext cx="7038900" cy="914100"/>
+          </a:xfrm>
+          <a:prstGeom prst="rect">
+            <a:avLst/>
+          </a:prstGeom>
+        </p:spPr>
+        <p:txBody>
+          <a:bodyPr anchorCtr="0" anchor="t" bIns="91425" lIns="91425" spcFirstLastPara="1" rIns="91425" wrap="square" tIns="91425">
+            <a:normAutofit/>
+          </a:bodyPr>
+          <a:lstStyle/>
+          <a:p>
+            <a:pPr indent="0" lvl="0" marL="0" rtl="0" algn="l">
+              <a:spcBef>
+                <a:spcPts val="0"/>
+              </a:spcBef>
+              <a:spcAft>
+                <a:spcPts val="0"/>
+              </a:spcAft>
+              <a:buNone/>
+            </a:pPr>
+            <a:r>
+              <a:rPr lang="en"/>
+              <a:t>Tableau Dashboard</a:t>
+            </a:r>
+            <a:endParaRPr/>
+          </a:p>
+        </p:txBody>
+      </p:sp>
+      <p:sp>
+        <p:nvSpPr>
+          <p:cNvPr id="214" name="Google Shape;214;p26"/>
           <p:cNvSpPr txBox="1"/>
           <p:nvPr>
             <p:ph idx="1" type="body"/>
@@ -11377,7 +11995,22 @@
                 </a:solidFill>
                 <a:hlinkClick r:id="rId3"/>
               </a:rPr>
-              <a:t>https://public.tableau.com/views/Public_Transportation_Ridership/Dashboard1?:language=en-US&amp;:display_count=n&amp;:origin=viz_share_link</a:t>
+              <a:t>https://public.tableau.com/app/profile/teng.ye/viz/Public_Transportation_Ridership/PublicTransportationStory</a:t>
+            </a:r>
+            <a:endParaRPr/>
+          </a:p>
+          <a:p>
+            <a:pPr indent="0" lvl="0" marL="457200" rtl="0" algn="l">
+              <a:spcBef>
+                <a:spcPts val="1200"/>
+              </a:spcBef>
+              <a:spcAft>
+                <a:spcPts val="0"/>
+              </a:spcAft>
+              <a:buNone/>
+            </a:pPr>
+            <a:r>
+              <a:t/>
             </a:r>
             <a:endParaRPr/>
           </a:p>
@@ -11433,7 +12066,7 @@
         </p:nvSpPr>
         <p:spPr>
           <a:xfrm>
-            <a:off x="1297500" y="393750"/>
+            <a:off x="1277075" y="403950"/>
             <a:ext cx="7038900" cy="914100"/>
           </a:xfrm>
           <a:prstGeom prst="rect">
@@ -11457,7 +12090,7 @@
             </a:pPr>
             <a:r>
               <a:rPr lang="en"/>
-              <a:t>Goals</a:t>
+              <a:t>Data Sources and Tools Used</a:t>
             </a:r>
             <a:endParaRPr/>
           </a:p>
@@ -11473,8 +12106,8 @@
         </p:nvSpPr>
         <p:spPr>
           <a:xfrm>
-            <a:off x="1297500" y="1567550"/>
-            <a:ext cx="7038900" cy="2911200"/>
+            <a:off x="1103600" y="985850"/>
+            <a:ext cx="7038900" cy="1728900"/>
           </a:xfrm>
           <a:prstGeom prst="rect">
             <a:avLst/>
@@ -11486,87 +12119,312 @@
           </a:bodyPr>
           <a:lstStyle/>
           <a:p>
-            <a:pPr indent="-381000" lvl="0" marL="457200" rtl="0" algn="l">
-              <a:spcBef>
-                <a:spcPts val="0"/>
-              </a:spcBef>
-              <a:spcAft>
-                <a:spcPts val="0"/>
-              </a:spcAft>
-              <a:buSzPts val="2400"/>
-              <a:buFont typeface="Montserrat"/>
+            <a:pPr indent="-311150" lvl="0" marL="457200" rtl="0" algn="l">
+              <a:spcBef>
+                <a:spcPts val="0"/>
+              </a:spcBef>
+              <a:spcAft>
+                <a:spcPts val="0"/>
+              </a:spcAft>
+              <a:buSzPts val="1300"/>
               <a:buChar char="●"/>
             </a:pPr>
             <a:r>
-              <a:rPr lang="en" sz="2400">
-                <a:latin typeface="Montserrat"/>
-                <a:ea typeface="Montserrat"/>
-                <a:cs typeface="Montserrat"/>
-                <a:sym typeface="Montserrat"/>
+              <a:rPr lang="en"/>
+              <a:t>Census Data: “City and Town Population Totals: 2010-2019”</a:t>
+            </a:r>
+            <a:endParaRPr/>
+          </a:p>
+          <a:p>
+            <a:pPr indent="-298450" lvl="1" marL="914400" rtl="0" algn="l">
+              <a:spcBef>
+                <a:spcPts val="0"/>
+              </a:spcBef>
+              <a:spcAft>
+                <a:spcPts val="0"/>
+              </a:spcAft>
+              <a:buSzPts val="1100"/>
+              <a:buChar char="○"/>
+            </a:pPr>
+            <a:r>
+              <a:rPr lang="en" u="sng">
+                <a:solidFill>
+                  <a:schemeClr val="hlink"/>
+                </a:solidFill>
+                <a:hlinkClick r:id="rId3"/>
               </a:rPr>
-              <a:t>To evaluate if Nashville needs to invest more into public transportation.</a:t>
-            </a:r>
-            <a:endParaRPr sz="2400">
-              <a:latin typeface="Montserrat"/>
-              <a:ea typeface="Montserrat"/>
-              <a:cs typeface="Montserrat"/>
-              <a:sym typeface="Montserrat"/>
+              <a:t>https://www.census.gov/data/datasets/time-series/demo/popest/2010s-total-cities-and-towns.html</a:t>
+            </a:r>
+            <a:endParaRPr/>
+          </a:p>
+          <a:p>
+            <a:pPr indent="-311150" lvl="0" marL="457200" rtl="0" algn="l">
+              <a:spcBef>
+                <a:spcPts val="0"/>
+              </a:spcBef>
+              <a:spcAft>
+                <a:spcPts val="0"/>
+              </a:spcAft>
+              <a:buSzPts val="1300"/>
+              <a:buChar char="●"/>
+            </a:pPr>
+            <a:r>
+              <a:rPr lang="en"/>
+              <a:t>Public Transportation Ridership: “Monthly Module Raw Data Release”</a:t>
+            </a:r>
+            <a:endParaRPr/>
+          </a:p>
+          <a:p>
+            <a:pPr indent="-298450" lvl="1" marL="914400" rtl="0" algn="l">
+              <a:spcBef>
+                <a:spcPts val="0"/>
+              </a:spcBef>
+              <a:spcAft>
+                <a:spcPts val="0"/>
+              </a:spcAft>
+              <a:buSzPts val="1100"/>
+              <a:buChar char="○"/>
+            </a:pPr>
+            <a:r>
+              <a:rPr lang="en" u="sng">
+                <a:solidFill>
+                  <a:schemeClr val="hlink"/>
+                </a:solidFill>
+                <a:hlinkClick r:id="rId4"/>
+              </a:rPr>
+              <a:t>https://www.transit.dot.gov/ntd/data-product/monthly-module-raw-data-release</a:t>
+            </a:r>
+            <a:endParaRPr/>
+          </a:p>
+          <a:p>
+            <a:pPr indent="-311150" lvl="0" marL="457200" rtl="0" algn="l">
+              <a:spcBef>
+                <a:spcPts val="0"/>
+              </a:spcBef>
+              <a:spcAft>
+                <a:spcPts val="0"/>
+              </a:spcAft>
+              <a:buSzPts val="1300"/>
+              <a:buChar char="●"/>
+            </a:pPr>
+            <a:r>
+              <a:rPr lang="en"/>
+              <a:t>Public Transportation Operating Costs/Fare Revenues: “Metrics_Static.xlsx”</a:t>
+            </a:r>
+            <a:endParaRPr/>
+          </a:p>
+          <a:p>
+            <a:pPr indent="-298450" lvl="1" marL="914400" rtl="0" algn="l">
+              <a:spcBef>
+                <a:spcPts val="0"/>
+              </a:spcBef>
+              <a:spcAft>
+                <a:spcPts val="0"/>
+              </a:spcAft>
+              <a:buSzPts val="1100"/>
+              <a:buChar char="○"/>
+            </a:pPr>
+            <a:r>
+              <a:rPr lang="en" u="sng">
+                <a:solidFill>
+                  <a:schemeClr val="hlink"/>
+                </a:solidFill>
+                <a:hlinkClick r:id="rId5"/>
+              </a:rPr>
+              <a:t>https://www.transit.dot.gov/ntd/data-product/2019-data-tables</a:t>
+            </a:r>
+            <a:endParaRPr/>
+          </a:p>
+        </p:txBody>
+      </p:sp>
+      <p:sp>
+        <p:nvSpPr>
+          <p:cNvPr id="142" name="Google Shape;142;p14"/>
+          <p:cNvSpPr txBox="1"/>
+          <p:nvPr/>
+        </p:nvSpPr>
+        <p:spPr>
+          <a:xfrm>
+            <a:off x="1081775" y="2867700"/>
+            <a:ext cx="7072200" cy="1185300"/>
+          </a:xfrm>
+          <a:prstGeom prst="rect">
+            <a:avLst/>
+          </a:prstGeom>
+          <a:noFill/>
+          <a:ln>
+            <a:noFill/>
+          </a:ln>
+        </p:spPr>
+        <p:txBody>
+          <a:bodyPr anchorCtr="0" anchor="t" bIns="91425" lIns="91425" spcFirstLastPara="1" rIns="91425" wrap="square" tIns="91425">
+            <a:spAutoFit/>
+          </a:bodyPr>
+          <a:lstStyle/>
+          <a:p>
+            <a:pPr indent="0" lvl="0" marL="0" rtl="0" algn="l">
+              <a:spcBef>
+                <a:spcPts val="0"/>
+              </a:spcBef>
+              <a:spcAft>
+                <a:spcPts val="0"/>
+              </a:spcAft>
+              <a:buNone/>
+            </a:pPr>
+            <a:r>
+              <a:rPr lang="en" sz="1300">
+                <a:solidFill>
+                  <a:schemeClr val="lt1"/>
+                </a:solidFill>
+                <a:latin typeface="Lato"/>
+                <a:ea typeface="Lato"/>
+                <a:cs typeface="Lato"/>
+                <a:sym typeface="Lato"/>
+              </a:rPr>
+              <a:t>Tools:</a:t>
+            </a:r>
+            <a:endParaRPr sz="1300">
+              <a:solidFill>
+                <a:schemeClr val="lt1"/>
+              </a:solidFill>
+              <a:latin typeface="Lato"/>
+              <a:ea typeface="Lato"/>
+              <a:cs typeface="Lato"/>
+              <a:sym typeface="Lato"/>
             </a:endParaRPr>
           </a:p>
           <a:p>
-            <a:pPr indent="-381000" lvl="0" marL="457200" rtl="0" algn="l">
-              <a:spcBef>
-                <a:spcPts val="0"/>
-              </a:spcBef>
-              <a:spcAft>
-                <a:spcPts val="0"/>
-              </a:spcAft>
-              <a:buSzPts val="2400"/>
-              <a:buFont typeface="Montserrat"/>
-              <a:buChar char="●"/>
+            <a:pPr indent="0" lvl="0" marL="0" rtl="0" algn="l">
+              <a:spcBef>
+                <a:spcPts val="0"/>
+              </a:spcBef>
+              <a:spcAft>
+                <a:spcPts val="0"/>
+              </a:spcAft>
+              <a:buNone/>
             </a:pPr>
             <a:r>
-              <a:rPr lang="en" sz="2400">
-                <a:latin typeface="Montserrat"/>
-                <a:ea typeface="Montserrat"/>
-                <a:cs typeface="Montserrat"/>
-                <a:sym typeface="Montserrat"/>
-              </a:rPr>
-              <a:t>Compare Nashville to some of its peers.</a:t>
-            </a:r>
-            <a:endParaRPr sz="2400">
-              <a:latin typeface="Montserrat"/>
-              <a:ea typeface="Montserrat"/>
-              <a:cs typeface="Montserrat"/>
-              <a:sym typeface="Montserrat"/>
+              <a:t/>
+            </a:r>
+            <a:endParaRPr sz="1300">
+              <a:solidFill>
+                <a:schemeClr val="lt1"/>
+              </a:solidFill>
+              <a:latin typeface="Lato"/>
+              <a:ea typeface="Lato"/>
+              <a:cs typeface="Lato"/>
+              <a:sym typeface="Lato"/>
             </a:endParaRPr>
           </a:p>
           <a:p>
-            <a:pPr indent="-381000" lvl="0" marL="457200" rtl="0" algn="l">
-              <a:spcBef>
-                <a:spcPts val="0"/>
-              </a:spcBef>
-              <a:spcAft>
-                <a:spcPts val="0"/>
-              </a:spcAft>
-              <a:buSzPts val="2400"/>
-              <a:buFont typeface="Montserrat"/>
+            <a:pPr indent="-311150" lvl="0" marL="457200" rtl="0" algn="l">
+              <a:spcBef>
+                <a:spcPts val="0"/>
+              </a:spcBef>
+              <a:spcAft>
+                <a:spcPts val="0"/>
+              </a:spcAft>
+              <a:buClr>
+                <a:schemeClr val="lt1"/>
+              </a:buClr>
+              <a:buSzPts val="1300"/>
+              <a:buFont typeface="Lato"/>
               <a:buChar char="●"/>
             </a:pPr>
             <a:r>
-              <a:rPr lang="en" sz="2400">
-                <a:latin typeface="Montserrat"/>
-                <a:ea typeface="Montserrat"/>
-                <a:cs typeface="Montserrat"/>
-                <a:sym typeface="Montserrat"/>
+              <a:rPr lang="en" sz="1300">
+                <a:solidFill>
+                  <a:schemeClr val="lt1"/>
+                </a:solidFill>
+                <a:latin typeface="Lato"/>
+                <a:ea typeface="Lato"/>
+                <a:cs typeface="Lato"/>
+                <a:sym typeface="Lato"/>
               </a:rPr>
-              <a:t>A view into what Nashville could look like in the future.</a:t>
-            </a:r>
-            <a:endParaRPr sz="2400">
-              <a:latin typeface="Montserrat"/>
-              <a:ea typeface="Montserrat"/>
-              <a:cs typeface="Montserrat"/>
-              <a:sym typeface="Montserrat"/>
+              <a:t>Python </a:t>
+            </a:r>
+            <a:endParaRPr sz="1300">
+              <a:solidFill>
+                <a:schemeClr val="lt1"/>
+              </a:solidFill>
+              <a:latin typeface="Lato"/>
+              <a:ea typeface="Lato"/>
+              <a:cs typeface="Lato"/>
+              <a:sym typeface="Lato"/>
+            </a:endParaRPr>
+          </a:p>
+          <a:p>
+            <a:pPr indent="-311150" lvl="0" marL="457200" rtl="0" algn="l">
+              <a:spcBef>
+                <a:spcPts val="0"/>
+              </a:spcBef>
+              <a:spcAft>
+                <a:spcPts val="0"/>
+              </a:spcAft>
+              <a:buClr>
+                <a:schemeClr val="lt1"/>
+              </a:buClr>
+              <a:buSzPts val="1300"/>
+              <a:buFont typeface="Lato"/>
+              <a:buChar char="●"/>
+            </a:pPr>
+            <a:r>
+              <a:rPr lang="en" sz="1300">
+                <a:solidFill>
+                  <a:schemeClr val="lt1"/>
+                </a:solidFill>
+                <a:latin typeface="Lato"/>
+                <a:ea typeface="Lato"/>
+                <a:cs typeface="Lato"/>
+                <a:sym typeface="Lato"/>
+              </a:rPr>
+              <a:t>Tableau</a:t>
+            </a:r>
+            <a:endParaRPr sz="1300">
+              <a:solidFill>
+                <a:schemeClr val="lt1"/>
+              </a:solidFill>
+              <a:latin typeface="Lato"/>
+              <a:ea typeface="Lato"/>
+              <a:cs typeface="Lato"/>
+              <a:sym typeface="Lato"/>
+            </a:endParaRPr>
+          </a:p>
+          <a:p>
+            <a:pPr indent="-311150" lvl="0" marL="457200" rtl="0" algn="l">
+              <a:spcBef>
+                <a:spcPts val="0"/>
+              </a:spcBef>
+              <a:spcAft>
+                <a:spcPts val="0"/>
+              </a:spcAft>
+              <a:buClr>
+                <a:schemeClr val="lt1"/>
+              </a:buClr>
+              <a:buSzPts val="1300"/>
+              <a:buFont typeface="Lato"/>
+              <a:buChar char="●"/>
+            </a:pPr>
+            <a:r>
+              <a:rPr lang="en" sz="1300">
+                <a:solidFill>
+                  <a:schemeClr val="lt1"/>
+                </a:solidFill>
+                <a:latin typeface="Lato"/>
+                <a:ea typeface="Lato"/>
+                <a:cs typeface="Lato"/>
+                <a:sym typeface="Lato"/>
+              </a:rPr>
+              <a:t>Excel</a:t>
+            </a:r>
+            <a:endParaRPr sz="1300">
+              <a:solidFill>
+                <a:schemeClr val="lt1"/>
+              </a:solidFill>
+              <a:latin typeface="Lato"/>
+              <a:ea typeface="Lato"/>
+              <a:cs typeface="Lato"/>
+              <a:sym typeface="Lato"/>
             </a:endParaRPr>
           </a:p>
         </p:txBody>
@@ -11584,7 +12442,7 @@
   <p:cSld>
     <p:spTree>
       <p:nvGrpSpPr>
-        <p:cNvPr id="145" name="Shape 145"/>
+        <p:cNvPr id="146" name="Shape 146"/>
         <p:cNvGrpSpPr/>
         <p:nvPr/>
       </p:nvGrpSpPr>
@@ -11598,7 +12456,7 @@
       </p:grpSpPr>
       <p:sp>
         <p:nvSpPr>
-          <p:cNvPr id="146" name="Google Shape;146;p15"/>
+          <p:cNvPr id="147" name="Google Shape;147;p15"/>
           <p:cNvSpPr txBox="1"/>
           <p:nvPr>
             <p:ph type="title"/>
@@ -11630,7 +12488,7 @@
             </a:pPr>
             <a:r>
               <a:rPr lang="en"/>
-              <a:t>Similar Sized Cities to Nashville</a:t>
+              <a:t>Goals</a:t>
             </a:r>
             <a:endParaRPr/>
           </a:p>
@@ -11638,7 +12496,7 @@
       </p:sp>
       <p:sp>
         <p:nvSpPr>
-          <p:cNvPr id="147" name="Google Shape;147;p15"/>
+          <p:cNvPr id="148" name="Google Shape;148;p15"/>
           <p:cNvSpPr txBox="1"/>
           <p:nvPr>
             <p:ph idx="1" type="body"/>
@@ -11646,8 +12504,8 @@
         </p:nvSpPr>
         <p:spPr>
           <a:xfrm>
-            <a:off x="1297500" y="1567550"/>
-            <a:ext cx="7038900" cy="2911200"/>
+            <a:off x="1195150" y="1038700"/>
+            <a:ext cx="7513800" cy="3379800"/>
           </a:xfrm>
           <a:prstGeom prst="rect">
             <a:avLst/>
@@ -11659,50 +12517,119 @@
           </a:bodyPr>
           <a:lstStyle/>
           <a:p>
-            <a:pPr indent="0" lvl="0" marL="0" rtl="0" algn="l">
-              <a:spcBef>
-                <a:spcPts val="0"/>
-              </a:spcBef>
-              <a:spcAft>
-                <a:spcPts val="1200"/>
-              </a:spcAft>
-              <a:buNone/>
+            <a:pPr indent="-381000" lvl="0" marL="457200" rtl="0" algn="l">
+              <a:spcBef>
+                <a:spcPts val="0"/>
+              </a:spcBef>
+              <a:spcAft>
+                <a:spcPts val="0"/>
+              </a:spcAft>
+              <a:buSzPts val="2400"/>
+              <a:buFont typeface="Montserrat"/>
+              <a:buChar char="●"/>
             </a:pPr>
             <a:r>
-              <a:t/>
-            </a:r>
-            <a:endParaRPr/>
+              <a:rPr lang="en" sz="2400">
+                <a:latin typeface="Montserrat"/>
+                <a:ea typeface="Montserrat"/>
+                <a:cs typeface="Montserrat"/>
+                <a:sym typeface="Montserrat"/>
+              </a:rPr>
+              <a:t>To evaluate if Nashville needs to invest more into public transportation.</a:t>
+            </a:r>
+            <a:endParaRPr sz="2400">
+              <a:latin typeface="Montserrat"/>
+              <a:ea typeface="Montserrat"/>
+              <a:cs typeface="Montserrat"/>
+              <a:sym typeface="Montserrat"/>
+            </a:endParaRPr>
+          </a:p>
+          <a:p>
+            <a:pPr indent="-381000" lvl="0" marL="457200" rtl="0" algn="l">
+              <a:spcBef>
+                <a:spcPts val="0"/>
+              </a:spcBef>
+              <a:spcAft>
+                <a:spcPts val="0"/>
+              </a:spcAft>
+              <a:buSzPts val="2400"/>
+              <a:buFont typeface="Montserrat"/>
+              <a:buChar char="●"/>
+            </a:pPr>
+            <a:r>
+              <a:rPr lang="en" sz="2400">
+                <a:latin typeface="Montserrat"/>
+                <a:ea typeface="Montserrat"/>
+                <a:cs typeface="Montserrat"/>
+                <a:sym typeface="Montserrat"/>
+              </a:rPr>
+              <a:t>Compare Nashville to some of its peers.</a:t>
+            </a:r>
+            <a:endParaRPr sz="2400">
+              <a:latin typeface="Montserrat"/>
+              <a:ea typeface="Montserrat"/>
+              <a:cs typeface="Montserrat"/>
+              <a:sym typeface="Montserrat"/>
+            </a:endParaRPr>
+          </a:p>
+          <a:p>
+            <a:pPr indent="-381000" lvl="0" marL="457200" rtl="0" algn="l">
+              <a:spcBef>
+                <a:spcPts val="0"/>
+              </a:spcBef>
+              <a:spcAft>
+                <a:spcPts val="0"/>
+              </a:spcAft>
+              <a:buSzPts val="2400"/>
+              <a:buFont typeface="Montserrat"/>
+              <a:buChar char="●"/>
+            </a:pPr>
+            <a:r>
+              <a:rPr lang="en" sz="2400">
+                <a:latin typeface="Montserrat"/>
+                <a:ea typeface="Montserrat"/>
+                <a:cs typeface="Montserrat"/>
+                <a:sym typeface="Montserrat"/>
+              </a:rPr>
+              <a:t>A view into what Nashville could look like in the future.</a:t>
+            </a:r>
+            <a:endParaRPr sz="2400">
+              <a:latin typeface="Montserrat"/>
+              <a:ea typeface="Montserrat"/>
+              <a:cs typeface="Montserrat"/>
+              <a:sym typeface="Montserrat"/>
+            </a:endParaRPr>
+          </a:p>
+          <a:p>
+            <a:pPr indent="-381000" lvl="0" marL="457200" rtl="0" algn="l">
+              <a:spcBef>
+                <a:spcPts val="0"/>
+              </a:spcBef>
+              <a:spcAft>
+                <a:spcPts val="0"/>
+              </a:spcAft>
+              <a:buSzPts val="2400"/>
+              <a:buFont typeface="Montserrat"/>
+              <a:buChar char="●"/>
+            </a:pPr>
+            <a:r>
+              <a:rPr lang="en" sz="2400">
+                <a:latin typeface="Montserrat"/>
+                <a:ea typeface="Montserrat"/>
+                <a:cs typeface="Montserrat"/>
+                <a:sym typeface="Montserrat"/>
+              </a:rPr>
+              <a:t>Share my finds with the general public to sway their opinion on public transportation.</a:t>
+            </a:r>
+            <a:endParaRPr sz="2400">
+              <a:latin typeface="Montserrat"/>
+              <a:ea typeface="Montserrat"/>
+              <a:cs typeface="Montserrat"/>
+              <a:sym typeface="Montserrat"/>
+            </a:endParaRPr>
           </a:p>
         </p:txBody>
       </p:sp>
-      <p:pic>
-        <p:nvPicPr>
-          <p:cNvPr id="148" name="Google Shape;148;p15"/>
-          <p:cNvPicPr preferRelativeResize="0"/>
-          <p:nvPr/>
-        </p:nvPicPr>
-        <p:blipFill>
-          <a:blip r:embed="rId3">
-            <a:alphaModFix/>
-          </a:blip>
-          <a:stretch>
-            <a:fillRect/>
-          </a:stretch>
-        </p:blipFill>
-        <p:spPr>
-          <a:xfrm>
-            <a:off x="1060450" y="989900"/>
-            <a:ext cx="8052076" cy="3867850"/>
-          </a:xfrm>
-          <a:prstGeom prst="rect">
-            <a:avLst/>
-          </a:prstGeom>
-          <a:noFill/>
-          <a:ln>
-            <a:noFill/>
-          </a:ln>
-        </p:spPr>
-      </p:pic>
     </p:spTree>
   </p:cSld>
   <p:clrMapOvr>
@@ -11738,7 +12665,7 @@
         </p:nvSpPr>
         <p:spPr>
           <a:xfrm>
-            <a:off x="1297500" y="393750"/>
+            <a:off x="970925" y="434575"/>
             <a:ext cx="7038900" cy="914100"/>
           </a:xfrm>
           <a:prstGeom prst="rect">
@@ -11762,119 +12689,40 @@
             </a:pPr>
             <a:r>
               <a:rPr lang="en"/>
-              <a:t>Benefits of public transportation</a:t>
+              <a:t>Similar Sized Cities to Nashville</a:t>
             </a:r>
             <a:endParaRPr/>
           </a:p>
         </p:txBody>
       </p:sp>
-      <p:sp>
-        <p:nvSpPr>
+      <p:pic>
+        <p:nvPicPr>
           <p:cNvPr id="154" name="Google Shape;154;p16"/>
-          <p:cNvSpPr txBox="1"/>
-          <p:nvPr>
-            <p:ph idx="1" type="body"/>
-          </p:nvPr>
-        </p:nvSpPr>
+          <p:cNvPicPr preferRelativeResize="0"/>
+          <p:nvPr/>
+        </p:nvPicPr>
+        <p:blipFill>
+          <a:blip r:embed="rId3">
+            <a:alphaModFix/>
+          </a:blip>
+          <a:stretch>
+            <a:fillRect/>
+          </a:stretch>
+        </p:blipFill>
         <p:spPr>
           <a:xfrm>
-            <a:off x="1297500" y="1567550"/>
-            <a:ext cx="7038900" cy="2911200"/>
+            <a:off x="407525" y="919375"/>
+            <a:ext cx="8591501" cy="3999600"/>
           </a:xfrm>
           <a:prstGeom prst="rect">
             <a:avLst/>
           </a:prstGeom>
+          <a:noFill/>
+          <a:ln>
+            <a:noFill/>
+          </a:ln>
         </p:spPr>
-        <p:txBody>
-          <a:bodyPr anchorCtr="0" anchor="t" bIns="91425" lIns="91425" spcFirstLastPara="1" rIns="91425" wrap="square" tIns="91425">
-            <a:normAutofit/>
-          </a:bodyPr>
-          <a:lstStyle/>
-          <a:p>
-            <a:pPr indent="-381000" lvl="0" marL="457200" rtl="0" algn="l">
-              <a:spcBef>
-                <a:spcPts val="0"/>
-              </a:spcBef>
-              <a:spcAft>
-                <a:spcPts val="0"/>
-              </a:spcAft>
-              <a:buSzPts val="2400"/>
-              <a:buChar char="●"/>
-            </a:pPr>
-            <a:r>
-              <a:rPr lang="en" sz="2400"/>
-              <a:t>Reduces air pollution</a:t>
-            </a:r>
-            <a:endParaRPr sz="2400"/>
-          </a:p>
-          <a:p>
-            <a:pPr indent="-381000" lvl="0" marL="457200" rtl="0" algn="l">
-              <a:spcBef>
-                <a:spcPts val="0"/>
-              </a:spcBef>
-              <a:spcAft>
-                <a:spcPts val="0"/>
-              </a:spcAft>
-              <a:buSzPts val="2400"/>
-              <a:buChar char="●"/>
-            </a:pPr>
-            <a:r>
-              <a:rPr lang="en" sz="2400"/>
-              <a:t>Increases mobility</a:t>
-            </a:r>
-            <a:endParaRPr sz="2400"/>
-          </a:p>
-          <a:p>
-            <a:pPr indent="-381000" lvl="0" marL="457200" rtl="0" algn="l">
-              <a:spcBef>
-                <a:spcPts val="0"/>
-              </a:spcBef>
-              <a:spcAft>
-                <a:spcPts val="0"/>
-              </a:spcAft>
-              <a:buSzPts val="2400"/>
-              <a:buChar char="●"/>
-            </a:pPr>
-            <a:r>
-              <a:rPr lang="en" sz="2400"/>
-              <a:t>Encourages healthier habits</a:t>
-            </a:r>
-            <a:endParaRPr sz="2400"/>
-          </a:p>
-          <a:p>
-            <a:pPr indent="-381000" lvl="0" marL="457200" rtl="0" algn="l">
-              <a:spcBef>
-                <a:spcPts val="0"/>
-              </a:spcBef>
-              <a:spcAft>
-                <a:spcPts val="0"/>
-              </a:spcAft>
-              <a:buSzPts val="2400"/>
-              <a:buChar char="●"/>
-            </a:pPr>
-            <a:r>
-              <a:rPr lang="en" sz="2400"/>
-              <a:t>Reduced traffic congestion</a:t>
-            </a:r>
-            <a:endParaRPr sz="2400"/>
-          </a:p>
-          <a:p>
-            <a:pPr indent="0" lvl="0" marL="0" rtl="0" algn="l">
-              <a:spcBef>
-                <a:spcPts val="1200"/>
-              </a:spcBef>
-              <a:spcAft>
-                <a:spcPts val="1200"/>
-              </a:spcAft>
-              <a:buNone/>
-            </a:pPr>
-            <a:r>
-              <a:t/>
-            </a:r>
-            <a:endParaRPr/>
-          </a:p>
-        </p:txBody>
-      </p:sp>
+      </p:pic>
     </p:spTree>
   </p:cSld>
   <p:clrMapOvr>
@@ -11910,8 +12758,8 @@
         </p:nvSpPr>
         <p:spPr>
           <a:xfrm>
-            <a:off x="1083175" y="200550"/>
-            <a:ext cx="7639200" cy="914100"/>
+            <a:off x="1297500" y="393750"/>
+            <a:ext cx="7038900" cy="914100"/>
           </a:xfrm>
           <a:prstGeom prst="rect">
             <a:avLst/>
@@ -11919,7 +12767,7 @@
         </p:spPr>
         <p:txBody>
           <a:bodyPr anchorCtr="0" anchor="t" bIns="91425" lIns="91425" spcFirstLastPara="1" rIns="91425" wrap="square" tIns="91425">
-            <a:normAutofit fontScale="90000"/>
+            <a:normAutofit/>
           </a:bodyPr>
           <a:lstStyle/>
           <a:p>
@@ -11934,55 +12782,119 @@
             </a:pPr>
             <a:r>
               <a:rPr lang="en"/>
-              <a:t>Looking at the most common mode of public transportation.</a:t>
-            </a:r>
-            <a:endParaRPr/>
-          </a:p>
-          <a:p>
-            <a:pPr indent="0" lvl="0" marL="0" rtl="0" algn="l">
-              <a:spcBef>
-                <a:spcPts val="0"/>
-              </a:spcBef>
-              <a:spcAft>
-                <a:spcPts val="0"/>
-              </a:spcAft>
-              <a:buNone/>
-            </a:pPr>
-            <a:r>
-              <a:t/>
+              <a:t>Benefits of public transportation</a:t>
             </a:r>
             <a:endParaRPr/>
           </a:p>
         </p:txBody>
       </p:sp>
-      <p:pic>
-        <p:nvPicPr>
+      <p:sp>
+        <p:nvSpPr>
           <p:cNvPr id="160" name="Google Shape;160;p17"/>
-          <p:cNvPicPr preferRelativeResize="0"/>
-          <p:nvPr/>
-        </p:nvPicPr>
-        <p:blipFill>
-          <a:blip r:embed="rId3">
-            <a:alphaModFix/>
-          </a:blip>
-          <a:stretch>
-            <a:fillRect/>
-          </a:stretch>
-        </p:blipFill>
+          <p:cNvSpPr txBox="1"/>
+          <p:nvPr>
+            <p:ph idx="1" type="body"/>
+          </p:nvPr>
+        </p:nvSpPr>
         <p:spPr>
           <a:xfrm>
-            <a:off x="1083175" y="1000975"/>
-            <a:ext cx="8000349" cy="3647575"/>
+            <a:off x="1297500" y="1567550"/>
+            <a:ext cx="7038900" cy="2911200"/>
           </a:xfrm>
           <a:prstGeom prst="rect">
             <a:avLst/>
           </a:prstGeom>
-          <a:noFill/>
-          <a:ln>
-            <a:noFill/>
-          </a:ln>
         </p:spPr>
-      </p:pic>
+        <p:txBody>
+          <a:bodyPr anchorCtr="0" anchor="t" bIns="91425" lIns="91425" spcFirstLastPara="1" rIns="91425" wrap="square" tIns="91425">
+            <a:normAutofit/>
+          </a:bodyPr>
+          <a:lstStyle/>
+          <a:p>
+            <a:pPr indent="-381000" lvl="0" marL="457200" rtl="0" algn="l">
+              <a:spcBef>
+                <a:spcPts val="0"/>
+              </a:spcBef>
+              <a:spcAft>
+                <a:spcPts val="0"/>
+              </a:spcAft>
+              <a:buSzPts val="2400"/>
+              <a:buChar char="●"/>
+            </a:pPr>
+            <a:r>
+              <a:rPr lang="en" sz="2400"/>
+              <a:t>Reduces air pollution</a:t>
+            </a:r>
+            <a:endParaRPr sz="2400"/>
+          </a:p>
+          <a:p>
+            <a:pPr indent="-381000" lvl="0" marL="457200" rtl="0" algn="l">
+              <a:spcBef>
+                <a:spcPts val="0"/>
+              </a:spcBef>
+              <a:spcAft>
+                <a:spcPts val="0"/>
+              </a:spcAft>
+              <a:buSzPts val="2400"/>
+              <a:buChar char="●"/>
+            </a:pPr>
+            <a:r>
+              <a:rPr lang="en" sz="2400"/>
+              <a:t>Increases mobility</a:t>
+            </a:r>
+            <a:endParaRPr sz="2400"/>
+          </a:p>
+          <a:p>
+            <a:pPr indent="-381000" lvl="0" marL="457200" rtl="0" algn="l">
+              <a:spcBef>
+                <a:spcPts val="0"/>
+              </a:spcBef>
+              <a:spcAft>
+                <a:spcPts val="0"/>
+              </a:spcAft>
+              <a:buSzPts val="2400"/>
+              <a:buChar char="●"/>
+            </a:pPr>
+            <a:r>
+              <a:rPr lang="en" sz="2400"/>
+              <a:t>Encourages healthier habits</a:t>
+            </a:r>
+            <a:endParaRPr sz="2400"/>
+          </a:p>
+          <a:p>
+            <a:pPr indent="-381000" lvl="0" marL="457200" rtl="0" algn="l">
+              <a:spcBef>
+                <a:spcPts val="0"/>
+              </a:spcBef>
+              <a:spcAft>
+                <a:spcPts val="0"/>
+              </a:spcAft>
+              <a:buSzPts val="2400"/>
+              <a:buChar char="●"/>
+            </a:pPr>
+            <a:r>
+              <a:rPr lang="en" sz="2400"/>
+              <a:t>Reduced traffic congestion</a:t>
+            </a:r>
+            <a:endParaRPr sz="2400"/>
+          </a:p>
+          <a:p>
+            <a:pPr indent="0" lvl="0" marL="0" rtl="0" algn="l">
+              <a:spcBef>
+                <a:spcPts val="1200"/>
+              </a:spcBef>
+              <a:spcAft>
+                <a:spcPts val="1200"/>
+              </a:spcAft>
+              <a:buNone/>
+            </a:pPr>
+            <a:r>
+              <a:t/>
+            </a:r>
+            <a:endParaRPr/>
+          </a:p>
+        </p:txBody>
+      </p:sp>
     </p:spTree>
   </p:cSld>
   <p:clrMapOvr>
@@ -12018,8 +12930,8 @@
         </p:nvSpPr>
         <p:spPr>
           <a:xfrm>
-            <a:off x="1086650" y="345450"/>
-            <a:ext cx="7038900" cy="914100"/>
+            <a:off x="1011750" y="210750"/>
+            <a:ext cx="7639200" cy="914100"/>
           </a:xfrm>
           <a:prstGeom prst="rect">
             <a:avLst/>
@@ -12027,7 +12939,7 @@
         </p:spPr>
         <p:txBody>
           <a:bodyPr anchorCtr="0" anchor="t" bIns="91425" lIns="91425" spcFirstLastPara="1" rIns="91425" wrap="square" tIns="91425">
-            <a:normAutofit/>
+            <a:normAutofit fontScale="90000"/>
           </a:bodyPr>
           <a:lstStyle/>
           <a:p>
@@ -12042,7 +12954,22 @@
             </a:pPr>
             <a:r>
               <a:rPr lang="en"/>
-              <a:t>Bus Ridership vs Overall</a:t>
+              <a:t>Looking at the most common mode of public transportation.</a:t>
+            </a:r>
+            <a:endParaRPr/>
+          </a:p>
+          <a:p>
+            <a:pPr indent="0" lvl="0" marL="0" rtl="0" algn="l">
+              <a:spcBef>
+                <a:spcPts val="0"/>
+              </a:spcBef>
+              <a:spcAft>
+                <a:spcPts val="0"/>
+              </a:spcAft>
+              <a:buNone/>
+            </a:pPr>
+            <a:r>
+              <a:t/>
             </a:r>
             <a:endParaRPr/>
           </a:p>
@@ -12064,8 +12991,8 @@
         </p:blipFill>
         <p:spPr>
           <a:xfrm>
-            <a:off x="1086650" y="993525"/>
-            <a:ext cx="7994249" cy="3644801"/>
+            <a:off x="426675" y="1022500"/>
+            <a:ext cx="8588399" cy="3929050"/>
           </a:xfrm>
           <a:prstGeom prst="rect">
             <a:avLst/>
@@ -12111,7 +13038,7 @@
         </p:nvSpPr>
         <p:spPr>
           <a:xfrm>
-            <a:off x="1091975" y="393750"/>
+            <a:off x="882525" y="345450"/>
             <a:ext cx="7038900" cy="914100"/>
           </a:xfrm>
           <a:prstGeom prst="rect">
@@ -12135,7 +13062,7 @@
             </a:pPr>
             <a:r>
               <a:rPr lang="en"/>
-              <a:t>Boston’s Modes of Transportation</a:t>
+              <a:t>Bus Ridership vs Overall</a:t>
             </a:r>
             <a:endParaRPr/>
           </a:p>
@@ -12157,8 +13084,8 @@
         </p:blipFill>
         <p:spPr>
           <a:xfrm>
-            <a:off x="1091975" y="990800"/>
-            <a:ext cx="7955500" cy="3627125"/>
+            <a:off x="449050" y="830250"/>
+            <a:ext cx="8245902" cy="4211175"/>
           </a:xfrm>
           <a:prstGeom prst="rect">
             <a:avLst/>
@@ -12204,7 +13131,7 @@
         </p:nvSpPr>
         <p:spPr>
           <a:xfrm>
-            <a:off x="1076675" y="414175"/>
+            <a:off x="1030725" y="393750"/>
             <a:ext cx="7038900" cy="914100"/>
           </a:xfrm>
           <a:prstGeom prst="rect">
@@ -12228,7 +13155,7 @@
             </a:pPr>
             <a:r>
               <a:rPr lang="en"/>
-              <a:t>Revenue and Cost Breakdown</a:t>
+              <a:t>Boston’s Modes of Transportation</a:t>
             </a:r>
             <a:endParaRPr/>
           </a:p>
@@ -12250,8 +13177,8 @@
         </p:blipFill>
         <p:spPr>
           <a:xfrm>
-            <a:off x="1076675" y="990800"/>
-            <a:ext cx="8028451" cy="3754699"/>
+            <a:off x="398000" y="970375"/>
+            <a:ext cx="8548673" cy="3897575"/>
           </a:xfrm>
           <a:prstGeom prst="rect">
             <a:avLst/>
@@ -12297,7 +13224,7 @@
         </p:nvSpPr>
         <p:spPr>
           <a:xfrm>
-            <a:off x="1044538" y="277000"/>
+            <a:off x="1076688" y="97800"/>
             <a:ext cx="7038900" cy="914100"/>
           </a:xfrm>
           <a:prstGeom prst="rect">
@@ -12321,7 +13248,7 @@
             </a:pPr>
             <a:r>
               <a:rPr lang="en"/>
-              <a:t>Nashville’s Forecasted Growth</a:t>
+              <a:t>Revenue and Cost Breakdown</a:t>
             </a:r>
             <a:endParaRPr/>
           </a:p>
@@ -12343,8 +13270,8 @@
         </p:blipFill>
         <p:spPr>
           <a:xfrm>
-            <a:off x="101375" y="950000"/>
-            <a:ext cx="8925227" cy="3989400"/>
+            <a:off x="216363" y="582600"/>
+            <a:ext cx="8711274" cy="4423124"/>
           </a:xfrm>
           <a:prstGeom prst="rect">
             <a:avLst/>
